--- a/architecture.pptx
+++ b/architecture.pptx
@@ -5,31 +5,30 @@
     <p:sldMasterId id="2147483648" r:id="rId1"/>
   </p:sldMasterIdLst>
   <p:notesMasterIdLst>
-    <p:notesMasterId r:id="rId24"/>
+    <p:notesMasterId r:id="rId23"/>
   </p:notesMasterIdLst>
   <p:sldIdLst>
     <p:sldId id="256" r:id="rId2"/>
     <p:sldId id="261" r:id="rId3"/>
     <p:sldId id="259" r:id="rId4"/>
     <p:sldId id="260" r:id="rId5"/>
-    <p:sldId id="268" r:id="rId6"/>
-    <p:sldId id="275" r:id="rId7"/>
-    <p:sldId id="276" r:id="rId8"/>
-    <p:sldId id="277" r:id="rId9"/>
-    <p:sldId id="278" r:id="rId10"/>
-    <p:sldId id="279" r:id="rId11"/>
-    <p:sldId id="280" r:id="rId12"/>
-    <p:sldId id="283" r:id="rId13"/>
-    <p:sldId id="285" r:id="rId14"/>
-    <p:sldId id="264" r:id="rId15"/>
-    <p:sldId id="286" r:id="rId16"/>
-    <p:sldId id="287" r:id="rId17"/>
-    <p:sldId id="288" r:id="rId18"/>
-    <p:sldId id="273" r:id="rId19"/>
-    <p:sldId id="272" r:id="rId20"/>
-    <p:sldId id="266" r:id="rId21"/>
-    <p:sldId id="282" r:id="rId22"/>
-    <p:sldId id="281" r:id="rId23"/>
+    <p:sldId id="275" r:id="rId6"/>
+    <p:sldId id="276" r:id="rId7"/>
+    <p:sldId id="277" r:id="rId8"/>
+    <p:sldId id="278" r:id="rId9"/>
+    <p:sldId id="279" r:id="rId10"/>
+    <p:sldId id="280" r:id="rId11"/>
+    <p:sldId id="283" r:id="rId12"/>
+    <p:sldId id="285" r:id="rId13"/>
+    <p:sldId id="264" r:id="rId14"/>
+    <p:sldId id="286" r:id="rId15"/>
+    <p:sldId id="287" r:id="rId16"/>
+    <p:sldId id="288" r:id="rId17"/>
+    <p:sldId id="273" r:id="rId18"/>
+    <p:sldId id="272" r:id="rId19"/>
+    <p:sldId id="266" r:id="rId20"/>
+    <p:sldId id="282" r:id="rId21"/>
+    <p:sldId id="281" r:id="rId22"/>
   </p:sldIdLst>
   <p:sldSz cx="12192000" cy="6858000"/>
   <p:notesSz cx="6858000" cy="9144000"/>
@@ -7116,7 +7115,7 @@
           <a:p>
             <a:fld id="{5FE9543B-7564-4DA9-8EF6-9FD92DD5739E}" type="datetimeFigureOut">
               <a:rPr lang="en-IN" smtClean="0"/>
-              <a:t>09-11-2025</a:t>
+              <a:t>10-11-2025</a:t>
             </a:fld>
             <a:endParaRPr lang="en-IN"/>
           </a:p>
@@ -7617,7 +7616,7 @@
           <a:p>
             <a:fld id="{15312975-030B-4EEB-9A3C-4B0486C3777D}" type="datetimeFigureOut">
               <a:rPr lang="en-IN" smtClean="0"/>
-              <a:t>09-11-2025</a:t>
+              <a:t>10-11-2025</a:t>
             </a:fld>
             <a:endParaRPr lang="en-IN"/>
           </a:p>
@@ -7817,7 +7816,7 @@
           <a:p>
             <a:fld id="{15312975-030B-4EEB-9A3C-4B0486C3777D}" type="datetimeFigureOut">
               <a:rPr lang="en-IN" smtClean="0"/>
-              <a:t>09-11-2025</a:t>
+              <a:t>10-11-2025</a:t>
             </a:fld>
             <a:endParaRPr lang="en-IN"/>
           </a:p>
@@ -8027,7 +8026,7 @@
           <a:p>
             <a:fld id="{15312975-030B-4EEB-9A3C-4B0486C3777D}" type="datetimeFigureOut">
               <a:rPr lang="en-IN" smtClean="0"/>
-              <a:t>09-11-2025</a:t>
+              <a:t>10-11-2025</a:t>
             </a:fld>
             <a:endParaRPr lang="en-IN"/>
           </a:p>
@@ -8227,7 +8226,7 @@
           <a:p>
             <a:fld id="{15312975-030B-4EEB-9A3C-4B0486C3777D}" type="datetimeFigureOut">
               <a:rPr lang="en-IN" smtClean="0"/>
-              <a:t>09-11-2025</a:t>
+              <a:t>10-11-2025</a:t>
             </a:fld>
             <a:endParaRPr lang="en-IN"/>
           </a:p>
@@ -8503,7 +8502,7 @@
           <a:p>
             <a:fld id="{15312975-030B-4EEB-9A3C-4B0486C3777D}" type="datetimeFigureOut">
               <a:rPr lang="en-IN" smtClean="0"/>
-              <a:t>09-11-2025</a:t>
+              <a:t>10-11-2025</a:t>
             </a:fld>
             <a:endParaRPr lang="en-IN"/>
           </a:p>
@@ -8771,7 +8770,7 @@
           <a:p>
             <a:fld id="{15312975-030B-4EEB-9A3C-4B0486C3777D}" type="datetimeFigureOut">
               <a:rPr lang="en-IN" smtClean="0"/>
-              <a:t>09-11-2025</a:t>
+              <a:t>10-11-2025</a:t>
             </a:fld>
             <a:endParaRPr lang="en-IN"/>
           </a:p>
@@ -9186,7 +9185,7 @@
           <a:p>
             <a:fld id="{15312975-030B-4EEB-9A3C-4B0486C3777D}" type="datetimeFigureOut">
               <a:rPr lang="en-IN" smtClean="0"/>
-              <a:t>09-11-2025</a:t>
+              <a:t>10-11-2025</a:t>
             </a:fld>
             <a:endParaRPr lang="en-IN"/>
           </a:p>
@@ -9328,7 +9327,7 @@
           <a:p>
             <a:fld id="{15312975-030B-4EEB-9A3C-4B0486C3777D}" type="datetimeFigureOut">
               <a:rPr lang="en-IN" smtClean="0"/>
-              <a:t>09-11-2025</a:t>
+              <a:t>10-11-2025</a:t>
             </a:fld>
             <a:endParaRPr lang="en-IN"/>
           </a:p>
@@ -9441,7 +9440,7 @@
           <a:p>
             <a:fld id="{15312975-030B-4EEB-9A3C-4B0486C3777D}" type="datetimeFigureOut">
               <a:rPr lang="en-IN" smtClean="0"/>
-              <a:t>09-11-2025</a:t>
+              <a:t>10-11-2025</a:t>
             </a:fld>
             <a:endParaRPr lang="en-IN"/>
           </a:p>
@@ -9754,7 +9753,7 @@
           <a:p>
             <a:fld id="{15312975-030B-4EEB-9A3C-4B0486C3777D}" type="datetimeFigureOut">
               <a:rPr lang="en-IN" smtClean="0"/>
-              <a:t>09-11-2025</a:t>
+              <a:t>10-11-2025</a:t>
             </a:fld>
             <a:endParaRPr lang="en-IN"/>
           </a:p>
@@ -10043,7 +10042,7 @@
           <a:p>
             <a:fld id="{15312975-030B-4EEB-9A3C-4B0486C3777D}" type="datetimeFigureOut">
               <a:rPr lang="en-IN" smtClean="0"/>
-              <a:t>09-11-2025</a:t>
+              <a:t>10-11-2025</a:t>
             </a:fld>
             <a:endParaRPr lang="en-IN"/>
           </a:p>
@@ -10286,7 +10285,7 @@
           <a:p>
             <a:fld id="{15312975-030B-4EEB-9A3C-4B0486C3777D}" type="datetimeFigureOut">
               <a:rPr lang="en-IN" smtClean="0"/>
-              <a:t>09-11-2025</a:t>
+              <a:t>10-11-2025</a:t>
             </a:fld>
             <a:endParaRPr lang="en-IN"/>
           </a:p>
@@ -10839,7 +10838,7 @@
         <p:cNvPr id="1" name="">
           <a:extLst>
             <a:ext uri="{FF2B5EF4-FFF2-40B4-BE49-F238E27FC236}">
-              <a16:creationId xmlns:a16="http://schemas.microsoft.com/office/drawing/2014/main" id="{8F109D91-CD8B-9E60-B2FA-0C1FC2DD76E0}"/>
+              <a16:creationId xmlns:a16="http://schemas.microsoft.com/office/drawing/2014/main" id="{82197FB5-2E48-F309-D80C-EFAB39605E5E}"/>
             </a:ext>
           </a:extLst>
         </p:cNvPr>
@@ -10859,7 +10858,7 @@
           <p:cNvPr id="11" name="TextBox 10">
             <a:extLst>
               <a:ext uri="{FF2B5EF4-FFF2-40B4-BE49-F238E27FC236}">
-                <a16:creationId xmlns:a16="http://schemas.microsoft.com/office/drawing/2014/main" id="{AA4ACBDF-67CF-D506-2FAA-268E88E91EF6}"/>
+                <a16:creationId xmlns:a16="http://schemas.microsoft.com/office/drawing/2014/main" id="{3F406600-F6CA-F4DD-831C-46E5F2B0155A}"/>
               </a:ext>
             </a:extLst>
           </p:cNvPr>
@@ -10869,7 +10868,7 @@
         <p:spPr>
           <a:xfrm>
             <a:off x="166254" y="545583"/>
-            <a:ext cx="5579917" cy="5509200"/>
+            <a:ext cx="11835245" cy="4031873"/>
           </a:xfrm>
           <a:prstGeom prst="rect">
             <a:avLst/>
@@ -10884,11 +10883,11 @@
           <a:p>
             <a:pPr marL="342900" indent="-342900">
               <a:buFont typeface="+mj-lt"/>
-              <a:buAutoNum type="arabicPeriod" startAt="10"/>
+              <a:buAutoNum type="arabicPeriod" startAt="11"/>
             </a:pPr>
             <a:r>
               <a:rPr lang="en-US" sz="1600" dirty="0"/>
-              <a:t>Create a new pipeline job: </a:t>
+              <a:t>Configure a trigger in Jenkins dashboard (running on your laptop’s browser) which will be triggered by GitHub whenever there is a push on GitHub. This will help Jenkins to immediately take pull from GitHub and deploy the latest app. Following are the steps:</a:t>
             </a:r>
           </a:p>
           <a:p>
@@ -10898,7 +10897,7 @@
             </a:pPr>
             <a:r>
               <a:rPr lang="en-US" sz="1600" dirty="0"/>
-              <a:t>In Jenkins dashboard (running in your laptop’s browser), click on “New Item”, give it a name, let’s say “Deploy-Docker-App”</a:t>
+              <a:t>In Jenkins dashboard (running on your laptop’s browser), click on “Configure”</a:t>
             </a:r>
           </a:p>
           <a:p>
@@ -10908,7 +10907,25 @@
             </a:pPr>
             <a:r>
               <a:rPr lang="en-US" sz="1600" dirty="0"/>
-              <a:t>Below choose “Pipeline”, click “Ok”</a:t>
+              <a:t>Then on “Triggers”, and select “GitHub hook trigger for </a:t>
+            </a:r>
+            <a:r>
+              <a:rPr lang="en-US" sz="1600" dirty="0" err="1"/>
+              <a:t>GitScm</a:t>
+            </a:r>
+            <a:r>
+              <a:rPr lang="en-US" sz="1600" dirty="0"/>
+              <a:t> polling”</a:t>
+            </a:r>
+          </a:p>
+          <a:p>
+            <a:pPr marL="342900" indent="-342900">
+              <a:buFont typeface="+mj-lt"/>
+              <a:buAutoNum type="arabicPeriod" startAt="11"/>
+            </a:pPr>
+            <a:r>
+              <a:rPr lang="en-US" sz="1600" dirty="0"/>
+              <a:t>Configure GitHub Webhook which will send a push notification to Jenkins trigger created in the above step to take pull whenever there is a push to the repository:</a:t>
             </a:r>
           </a:p>
           <a:p>
@@ -10918,51 +10935,7 @@
             </a:pPr>
             <a:r>
               <a:rPr lang="en-US" sz="1600" dirty="0"/>
-              <a:t>In pipeline definition, select either:</a:t>
-            </a:r>
-          </a:p>
-          <a:p>
-            <a:pPr marL="1314450" lvl="2" indent="-400050">
-              <a:buFont typeface="+mj-lt"/>
-              <a:buAutoNum type="alphaLcPeriod"/>
-            </a:pPr>
-            <a:r>
-              <a:rPr lang="en-US" sz="1600" dirty="0"/>
-              <a:t>“Pipeline script from SCM” (if you want to keep </a:t>
-            </a:r>
-            <a:r>
-              <a:rPr lang="en-US" sz="1600" dirty="0" err="1"/>
-              <a:t>Jenkinsfile</a:t>
-            </a:r>
-            <a:r>
-              <a:rPr lang="en-US" sz="1600" dirty="0"/>
-              <a:t> in your GitHub repo; </a:t>
-            </a:r>
-            <a:r>
-              <a:rPr lang="en-US" sz="1600" b="1" u="sng" dirty="0"/>
-              <a:t>RECOMMENDED</a:t>
-            </a:r>
-            <a:r>
-              <a:rPr lang="en-US" sz="1600" dirty="0"/>
-              <a:t>), OR</a:t>
-            </a:r>
-          </a:p>
-          <a:p>
-            <a:pPr marL="1314450" lvl="2" indent="-400050">
-              <a:buFont typeface="+mj-lt"/>
-              <a:buAutoNum type="alphaLcPeriod"/>
-            </a:pPr>
-            <a:r>
-              <a:rPr lang="en-US" sz="1600" dirty="0"/>
-              <a:t>“Pipeline script” (if you will paste </a:t>
-            </a:r>
-            <a:r>
-              <a:rPr lang="en-US" sz="1600" dirty="0" err="1"/>
-              <a:t>Jenkinsfile</a:t>
-            </a:r>
-            <a:r>
-              <a:rPr lang="en-US" sz="1600" dirty="0"/>
-              <a:t> directly in Jenkins)</a:t>
+              <a:t>In your GitHub repo, go to the “Settings”</a:t>
             </a:r>
           </a:p>
           <a:p>
@@ -10972,78 +10945,94 @@
             </a:pPr>
             <a:r>
               <a:rPr lang="en-US" sz="1600" dirty="0"/>
-              <a:t>Inside your GitHub repo, create a file named “</a:t>
+              <a:t>Click on “Webhooks”</a:t>
+            </a:r>
+          </a:p>
+          <a:p>
+            <a:pPr marL="857250" lvl="1" indent="-400050">
+              <a:buFont typeface="+mj-lt"/>
+              <a:buAutoNum type="romanLcPeriod"/>
+            </a:pPr>
+            <a:r>
+              <a:rPr lang="en-US" sz="1600" dirty="0"/>
+              <a:t>Now, click on “Add Webhook” and enter “http://&lt;EC2-public-ip&gt;:8080/</a:t>
             </a:r>
             <a:r>
               <a:rPr lang="en-US" sz="1600" dirty="0" err="1"/>
-              <a:t>Jenkinsfile</a:t>
+              <a:t>github</a:t>
             </a:r>
             <a:r>
               <a:rPr lang="en-US" sz="1600" dirty="0"/>
-              <a:t>” in the root directory and paste the content showing beside. Please make sure to update the following in your “</a:t>
+              <a:t>-webhook/” in the “Payload URL”</a:t>
+            </a:r>
+          </a:p>
+          <a:p>
+            <a:pPr marL="857250" lvl="1" indent="-400050">
+              <a:buFont typeface="+mj-lt"/>
+              <a:buAutoNum type="romanLcPeriod"/>
+            </a:pPr>
+            <a:r>
+              <a:rPr lang="en-US" sz="1600" dirty="0"/>
+              <a:t>Select “Content Type” as “application/</a:t>
             </a:r>
             <a:r>
               <a:rPr lang="en-US" sz="1600" dirty="0" err="1"/>
-              <a:t>Jenkinsfile</a:t>
+              <a:t>json</a:t>
             </a:r>
             <a:r>
               <a:rPr lang="en-US" sz="1600" dirty="0"/>
-              <a:t>”:</a:t>
-            </a:r>
-          </a:p>
-          <a:p>
-            <a:pPr marL="1314450" lvl="2" indent="-400050">
+              <a:t>”</a:t>
+            </a:r>
+          </a:p>
+          <a:p>
+            <a:pPr marL="857250" lvl="1" indent="-400050">
               <a:buFont typeface="+mj-lt"/>
-              <a:buAutoNum type="alphaLcPeriod"/>
+              <a:buAutoNum type="romanLcPeriod"/>
             </a:pPr>
             <a:r>
               <a:rPr lang="en-US" sz="1600" dirty="0"/>
-              <a:t>Replace “main” branch with your branch name</a:t>
-            </a:r>
-          </a:p>
-          <a:p>
-            <a:pPr marL="1314450" lvl="2" indent="-400050">
+              <a:t>Select “Events” as “Just the push event”</a:t>
+            </a:r>
+          </a:p>
+          <a:p>
+            <a:pPr marL="400050" indent="-400050">
               <a:buFont typeface="+mj-lt"/>
-              <a:buAutoNum type="alphaLcPeriod"/>
+              <a:buAutoNum type="arabicPeriod" startAt="11"/>
             </a:pPr>
             <a:r>
               <a:rPr lang="en-US" sz="1600" dirty="0"/>
-              <a:t>Update the GitHub URL of your GitHub repo</a:t>
-            </a:r>
-          </a:p>
-          <a:p>
-            <a:pPr marL="1314450" lvl="2" indent="-400050">
+              <a:t>Manually create the first build:</a:t>
+            </a:r>
+          </a:p>
+          <a:p>
+            <a:pPr marL="857250" lvl="1" indent="-400050">
               <a:buFont typeface="+mj-lt"/>
-              <a:buAutoNum type="alphaLcPeriod"/>
+              <a:buAutoNum type="romanLcPeriod"/>
             </a:pPr>
             <a:r>
               <a:rPr lang="en-US" sz="1600" dirty="0"/>
-              <a:t>The port you want to expose depending on your application at “8000:8000”</a:t>
-            </a:r>
-          </a:p>
-          <a:p>
-            <a:pPr lvl="2"/>
-            <a:r>
-              <a:rPr lang="en-US" sz="1600" b="1" u="sng" dirty="0"/>
-              <a:t>NOTE:</a:t>
-            </a:r>
+              <a:t>In the Jenkins dashboard (running in your laptop’s browser), just click on “Build Now”</a:t>
+            </a:r>
+          </a:p>
+          <a:p>
+            <a:pPr marL="857250" lvl="1" indent="-400050">
+              <a:buFont typeface="+mj-lt"/>
+              <a:buAutoNum type="romanLcPeriod"/>
+            </a:pPr>
             <a:r>
               <a:rPr lang="en-US" sz="1600" dirty="0"/>
-              <a:t> Pulling GitHub repo will work only for Public GitHub repositories. For private GitHub repositories, check the steps </a:t>
-            </a:r>
-            <a:r>
-              <a:rPr lang="en-US" sz="1600" b="1" dirty="0">
-                <a:solidFill>
-                  <a:srgbClr val="FF0000"/>
-                </a:solidFill>
-              </a:rPr>
-              <a:t>[TO DO]</a:t>
-            </a:r>
+              <a:t>The first deployment should be done on your EC2 instance. Test it in your browser / terminal / postman app</a:t>
+            </a:r>
+          </a:p>
+          <a:p>
+            <a:pPr marL="857250" lvl="1" indent="-400050">
+              <a:buFont typeface="+mj-lt"/>
+              <a:buAutoNum type="romanLcPeriod"/>
+            </a:pPr>
             <a:r>
               <a:rPr lang="en-US" sz="1600" dirty="0"/>
-              <a:t>.</a:t>
-            </a:r>
-            <a:endParaRPr lang="en-US" sz="1600" b="1" u="sng" dirty="0"/>
+              <a:t>From now onwards, whenever you will push the code in your GitHub repo, Jenkins will automatically take the pull, delete the running Docker container in your EC2 instance, and deploy the new Docker container.</a:t>
+            </a:r>
           </a:p>
         </p:txBody>
       </p:sp>
@@ -11052,7 +11041,7 @@
           <p:cNvPr id="2" name="TextBox 1">
             <a:extLst>
               <a:ext uri="{FF2B5EF4-FFF2-40B4-BE49-F238E27FC236}">
-                <a16:creationId xmlns:a16="http://schemas.microsoft.com/office/drawing/2014/main" id="{50E40D87-73C0-8493-D06E-747B3F2ED165}"/>
+                <a16:creationId xmlns:a16="http://schemas.microsoft.com/office/drawing/2014/main" id="{2EDEEBC8-6F6A-7B43-E61C-D83369780E96}"/>
               </a:ext>
             </a:extLst>
           </p:cNvPr>
@@ -11077,747 +11066,6 @@
           <a:p>
             <a:r>
               <a:rPr lang="en-IN" sz="2000" b="1" dirty="0"/>
-              <a:t>[3/4] CI / CD Pipeline: EC2 / Jenkins / GitHub</a:t>
-            </a:r>
-          </a:p>
-        </p:txBody>
-      </p:sp>
-      <p:sp>
-        <p:nvSpPr>
-          <p:cNvPr id="3" name="Rectangle 2">
-            <a:extLst>
-              <a:ext uri="{FF2B5EF4-FFF2-40B4-BE49-F238E27FC236}">
-                <a16:creationId xmlns:a16="http://schemas.microsoft.com/office/drawing/2014/main" id="{D85ED211-2F3B-BA9E-4C13-92BEE50A48ED}"/>
-              </a:ext>
-            </a:extLst>
-          </p:cNvPr>
-          <p:cNvSpPr/>
-          <p:nvPr/>
-        </p:nvSpPr>
-        <p:spPr>
-          <a:xfrm>
-            <a:off x="5746172" y="545583"/>
-            <a:ext cx="6255327" cy="6166944"/>
-          </a:xfrm>
-          <a:prstGeom prst="rect">
-            <a:avLst/>
-          </a:prstGeom>
-          <a:solidFill>
-            <a:schemeClr val="lt1">
-              <a:alpha val="0"/>
-            </a:schemeClr>
-          </a:solidFill>
-          <a:ln/>
-        </p:spPr>
-        <p:style>
-          <a:lnRef idx="2">
-            <a:schemeClr val="dk1"/>
-          </a:lnRef>
-          <a:fillRef idx="1">
-            <a:schemeClr val="lt1"/>
-          </a:fillRef>
-          <a:effectRef idx="0">
-            <a:schemeClr val="dk1"/>
-          </a:effectRef>
-          <a:fontRef idx="minor">
-            <a:schemeClr val="dk1"/>
-          </a:fontRef>
-        </p:style>
-        <p:txBody>
-          <a:bodyPr rtlCol="0" anchor="t"/>
-          <a:lstStyle/>
-          <a:p>
-            <a:pPr algn="ctr"/>
-            <a:r>
-              <a:rPr lang="en-IN" sz="1600" b="1" dirty="0" err="1">
-                <a:solidFill>
-                  <a:schemeClr val="tx1"/>
-                </a:solidFill>
-              </a:rPr>
-              <a:t>Jenkinsfile</a:t>
-            </a:r>
-            <a:endParaRPr lang="en-IN" sz="1600" b="1" dirty="0">
-              <a:solidFill>
-                <a:schemeClr val="tx1"/>
-              </a:solidFill>
-            </a:endParaRPr>
-          </a:p>
-          <a:p>
-            <a:r>
-              <a:rPr lang="en-IN" sz="1200" dirty="0">
-                <a:solidFill>
-                  <a:schemeClr val="tx1"/>
-                </a:solidFill>
-              </a:rPr>
-              <a:t>pipeline {</a:t>
-            </a:r>
-          </a:p>
-          <a:p>
-            <a:r>
-              <a:rPr lang="en-IN" sz="1200" dirty="0">
-                <a:solidFill>
-                  <a:schemeClr val="tx1"/>
-                </a:solidFill>
-              </a:rPr>
-              <a:t>    agent any</a:t>
-            </a:r>
-          </a:p>
-          <a:p>
-            <a:r>
-              <a:rPr lang="en-IN" sz="1200" dirty="0">
-                <a:solidFill>
-                  <a:schemeClr val="tx1"/>
-                </a:solidFill>
-              </a:rPr>
-              <a:t>    environment {</a:t>
-            </a:r>
-          </a:p>
-          <a:p>
-            <a:r>
-              <a:rPr lang="en-IN" sz="1200" dirty="0">
-                <a:solidFill>
-                  <a:schemeClr val="tx1"/>
-                </a:solidFill>
-              </a:rPr>
-              <a:t>        DOCKER_IMAGE = "</a:t>
-            </a:r>
-            <a:r>
-              <a:rPr lang="en-IN" sz="1200" dirty="0" err="1">
-                <a:solidFill>
-                  <a:schemeClr val="tx1"/>
-                </a:solidFill>
-              </a:rPr>
-              <a:t>myapp:latest</a:t>
-            </a:r>
-            <a:r>
-              <a:rPr lang="en-IN" sz="1200" dirty="0">
-                <a:solidFill>
-                  <a:schemeClr val="tx1"/>
-                </a:solidFill>
-              </a:rPr>
-              <a:t>"</a:t>
-            </a:r>
-          </a:p>
-          <a:p>
-            <a:r>
-              <a:rPr lang="en-IN" sz="1200" dirty="0">
-                <a:solidFill>
-                  <a:schemeClr val="tx1"/>
-                </a:solidFill>
-              </a:rPr>
-              <a:t>        CONTAINER_NAME = "</a:t>
-            </a:r>
-            <a:r>
-              <a:rPr lang="en-IN" sz="1200" dirty="0" err="1">
-                <a:solidFill>
-                  <a:schemeClr val="tx1"/>
-                </a:solidFill>
-              </a:rPr>
-              <a:t>myapp_container</a:t>
-            </a:r>
-            <a:r>
-              <a:rPr lang="en-IN" sz="1200" dirty="0">
-                <a:solidFill>
-                  <a:schemeClr val="tx1"/>
-                </a:solidFill>
-              </a:rPr>
-              <a:t>"</a:t>
-            </a:r>
-          </a:p>
-          <a:p>
-            <a:r>
-              <a:rPr lang="en-IN" sz="1200" dirty="0">
-                <a:solidFill>
-                  <a:schemeClr val="tx1"/>
-                </a:solidFill>
-              </a:rPr>
-              <a:t>    }</a:t>
-            </a:r>
-          </a:p>
-          <a:p>
-            <a:r>
-              <a:rPr lang="en-IN" sz="1200" dirty="0">
-                <a:solidFill>
-                  <a:schemeClr val="tx1"/>
-                </a:solidFill>
-              </a:rPr>
-              <a:t>    stages {</a:t>
-            </a:r>
-          </a:p>
-          <a:p>
-            <a:r>
-              <a:rPr lang="en-IN" sz="1200" dirty="0">
-                <a:solidFill>
-                  <a:schemeClr val="tx1"/>
-                </a:solidFill>
-              </a:rPr>
-              <a:t>        stage('Clone Repository') {</a:t>
-            </a:r>
-          </a:p>
-          <a:p>
-            <a:r>
-              <a:rPr lang="en-IN" sz="1200" dirty="0">
-                <a:solidFill>
-                  <a:schemeClr val="tx1"/>
-                </a:solidFill>
-              </a:rPr>
-              <a:t>            steps {</a:t>
-            </a:r>
-          </a:p>
-          <a:p>
-            <a:r>
-              <a:rPr lang="en-IN" sz="1200" dirty="0">
-                <a:solidFill>
-                  <a:schemeClr val="tx1"/>
-                </a:solidFill>
-              </a:rPr>
-              <a:t>                git branch: </a:t>
-            </a:r>
-            <a:r>
-              <a:rPr lang="en-IN" sz="1200" b="1" dirty="0">
-                <a:solidFill>
-                  <a:schemeClr val="accent4"/>
-                </a:solidFill>
-              </a:rPr>
-              <a:t>'main',</a:t>
-            </a:r>
-            <a:r>
-              <a:rPr lang="en-IN" sz="1200" dirty="0">
-                <a:solidFill>
-                  <a:schemeClr val="tx1"/>
-                </a:solidFill>
-              </a:rPr>
-              <a:t> url: </a:t>
-            </a:r>
-            <a:r>
-              <a:rPr lang="en-IN" sz="1200" b="1" dirty="0">
-                <a:solidFill>
-                  <a:schemeClr val="accent4"/>
-                </a:solidFill>
-              </a:rPr>
-              <a:t>'https://github.com/&lt;your-username&gt;/&lt;your-repo&gt;.git'</a:t>
-            </a:r>
-          </a:p>
-          <a:p>
-            <a:r>
-              <a:rPr lang="en-IN" sz="1200" dirty="0">
-                <a:solidFill>
-                  <a:schemeClr val="tx1"/>
-                </a:solidFill>
-              </a:rPr>
-              <a:t>            }</a:t>
-            </a:r>
-          </a:p>
-          <a:p>
-            <a:r>
-              <a:rPr lang="en-IN" sz="1200" dirty="0">
-                <a:solidFill>
-                  <a:schemeClr val="tx1"/>
-                </a:solidFill>
-              </a:rPr>
-              <a:t>        }</a:t>
-            </a:r>
-          </a:p>
-          <a:p>
-            <a:r>
-              <a:rPr lang="en-IN" sz="1200" dirty="0">
-                <a:solidFill>
-                  <a:schemeClr val="tx1"/>
-                </a:solidFill>
-              </a:rPr>
-              <a:t>        stage('Build Docker Image') {</a:t>
-            </a:r>
-          </a:p>
-          <a:p>
-            <a:r>
-              <a:rPr lang="en-IN" sz="1200" dirty="0">
-                <a:solidFill>
-                  <a:schemeClr val="tx1"/>
-                </a:solidFill>
-              </a:rPr>
-              <a:t>            steps {</a:t>
-            </a:r>
-          </a:p>
-          <a:p>
-            <a:r>
-              <a:rPr lang="en-IN" sz="1200" dirty="0">
-                <a:solidFill>
-                  <a:schemeClr val="tx1"/>
-                </a:solidFill>
-              </a:rPr>
-              <a:t>                </a:t>
-            </a:r>
-            <a:r>
-              <a:rPr lang="en-IN" sz="1200" dirty="0" err="1">
-                <a:solidFill>
-                  <a:schemeClr val="tx1"/>
-                </a:solidFill>
-              </a:rPr>
-              <a:t>sh</a:t>
-            </a:r>
-            <a:r>
-              <a:rPr lang="en-IN" sz="1200" dirty="0">
-                <a:solidFill>
-                  <a:schemeClr val="tx1"/>
-                </a:solidFill>
-              </a:rPr>
-              <a:t> 'docker build -t $DOCKER_IMAGE .'</a:t>
-            </a:r>
-          </a:p>
-          <a:p>
-            <a:r>
-              <a:rPr lang="en-IN" sz="1200" dirty="0">
-                <a:solidFill>
-                  <a:schemeClr val="tx1"/>
-                </a:solidFill>
-              </a:rPr>
-              <a:t>            }</a:t>
-            </a:r>
-          </a:p>
-          <a:p>
-            <a:r>
-              <a:rPr lang="en-IN" sz="1200" dirty="0">
-                <a:solidFill>
-                  <a:schemeClr val="tx1"/>
-                </a:solidFill>
-              </a:rPr>
-              <a:t>        }</a:t>
-            </a:r>
-          </a:p>
-          <a:p>
-            <a:r>
-              <a:rPr lang="en-IN" sz="1200" dirty="0">
-                <a:solidFill>
-                  <a:schemeClr val="tx1"/>
-                </a:solidFill>
-              </a:rPr>
-              <a:t>        stage('Stop Old Container') {</a:t>
-            </a:r>
-          </a:p>
-          <a:p>
-            <a:r>
-              <a:rPr lang="en-IN" sz="1200" dirty="0">
-                <a:solidFill>
-                  <a:schemeClr val="tx1"/>
-                </a:solidFill>
-              </a:rPr>
-              <a:t>            steps {</a:t>
-            </a:r>
-          </a:p>
-          <a:p>
-            <a:r>
-              <a:rPr lang="en-IN" sz="1200" dirty="0">
-                <a:solidFill>
-                  <a:schemeClr val="tx1"/>
-                </a:solidFill>
-              </a:rPr>
-              <a:t>                </a:t>
-            </a:r>
-            <a:r>
-              <a:rPr lang="en-IN" sz="1200" dirty="0" err="1">
-                <a:solidFill>
-                  <a:schemeClr val="tx1"/>
-                </a:solidFill>
-              </a:rPr>
-              <a:t>sh</a:t>
-            </a:r>
-            <a:r>
-              <a:rPr lang="en-IN" sz="1200" dirty="0">
-                <a:solidFill>
-                  <a:schemeClr val="tx1"/>
-                </a:solidFill>
-              </a:rPr>
-              <a:t> 'docker rm -f $CONTAINER_NAME || true'</a:t>
-            </a:r>
-          </a:p>
-          <a:p>
-            <a:r>
-              <a:rPr lang="en-IN" sz="1200" dirty="0">
-                <a:solidFill>
-                  <a:schemeClr val="tx1"/>
-                </a:solidFill>
-              </a:rPr>
-              <a:t>            }</a:t>
-            </a:r>
-          </a:p>
-          <a:p>
-            <a:r>
-              <a:rPr lang="en-IN" sz="1200" dirty="0">
-                <a:solidFill>
-                  <a:schemeClr val="tx1"/>
-                </a:solidFill>
-              </a:rPr>
-              <a:t>        }</a:t>
-            </a:r>
-          </a:p>
-          <a:p>
-            <a:r>
-              <a:rPr lang="en-IN" sz="1200" dirty="0">
-                <a:solidFill>
-                  <a:schemeClr val="tx1"/>
-                </a:solidFill>
-              </a:rPr>
-              <a:t>        stage('Run New Container') {</a:t>
-            </a:r>
-          </a:p>
-          <a:p>
-            <a:r>
-              <a:rPr lang="en-IN" sz="1200" dirty="0">
-                <a:solidFill>
-                  <a:schemeClr val="tx1"/>
-                </a:solidFill>
-              </a:rPr>
-              <a:t>            steps {</a:t>
-            </a:r>
-          </a:p>
-          <a:p>
-            <a:r>
-              <a:rPr lang="en-IN" sz="1200" dirty="0">
-                <a:solidFill>
-                  <a:schemeClr val="tx1"/>
-                </a:solidFill>
-              </a:rPr>
-              <a:t>                </a:t>
-            </a:r>
-            <a:r>
-              <a:rPr lang="en-IN" sz="1200" dirty="0" err="1">
-                <a:solidFill>
-                  <a:schemeClr val="tx1"/>
-                </a:solidFill>
-              </a:rPr>
-              <a:t>sh</a:t>
-            </a:r>
-            <a:r>
-              <a:rPr lang="en-IN" sz="1200" dirty="0">
-                <a:solidFill>
-                  <a:schemeClr val="tx1"/>
-                </a:solidFill>
-              </a:rPr>
-              <a:t> 'docker run -d --name $CONTAINER_NAME -p </a:t>
-            </a:r>
-            <a:r>
-              <a:rPr lang="en-IN" sz="1200" b="1" dirty="0">
-                <a:solidFill>
-                  <a:schemeClr val="accent4"/>
-                </a:solidFill>
-              </a:rPr>
-              <a:t>8000:8000</a:t>
-            </a:r>
-            <a:r>
-              <a:rPr lang="en-IN" sz="1200" dirty="0">
-                <a:solidFill>
-                  <a:schemeClr val="tx1"/>
-                </a:solidFill>
-              </a:rPr>
-              <a:t> $DOCKER_IMAGE'</a:t>
-            </a:r>
-          </a:p>
-          <a:p>
-            <a:r>
-              <a:rPr lang="en-IN" sz="1200" dirty="0">
-                <a:solidFill>
-                  <a:schemeClr val="tx1"/>
-                </a:solidFill>
-              </a:rPr>
-              <a:t>            }</a:t>
-            </a:r>
-          </a:p>
-          <a:p>
-            <a:r>
-              <a:rPr lang="en-IN" sz="1200" dirty="0">
-                <a:solidFill>
-                  <a:schemeClr val="tx1"/>
-                </a:solidFill>
-              </a:rPr>
-              <a:t>        }</a:t>
-            </a:r>
-          </a:p>
-          <a:p>
-            <a:r>
-              <a:rPr lang="en-IN" sz="1200" dirty="0">
-                <a:solidFill>
-                  <a:schemeClr val="tx1"/>
-                </a:solidFill>
-              </a:rPr>
-              <a:t>    }</a:t>
-            </a:r>
-          </a:p>
-          <a:p>
-            <a:r>
-              <a:rPr lang="en-IN" sz="1200" dirty="0">
-                <a:solidFill>
-                  <a:schemeClr val="tx1"/>
-                </a:solidFill>
-              </a:rPr>
-              <a:t>}</a:t>
-            </a:r>
-          </a:p>
-        </p:txBody>
-      </p:sp>
-    </p:spTree>
-    <p:extLst>
-      <p:ext uri="{BB962C8B-B14F-4D97-AF65-F5344CB8AC3E}">
-        <p14:creationId xmlns:p14="http://schemas.microsoft.com/office/powerpoint/2010/main" val="2253703610"/>
-      </p:ext>
-    </p:extLst>
-  </p:cSld>
-  <p:clrMapOvr>
-    <a:masterClrMapping/>
-  </p:clrMapOvr>
-</p:sld>
-</file>
-
-<file path=ppt/slides/slide11.xml><?xml version="1.0" encoding="utf-8"?>
-<p:sld xmlns:a="http://schemas.openxmlformats.org/drawingml/2006/main" xmlns:r="http://schemas.openxmlformats.org/officeDocument/2006/relationships" xmlns:p="http://schemas.openxmlformats.org/presentationml/2006/main">
-  <p:cSld>
-    <p:bg>
-      <p:bgPr>
-        <a:blipFill dpi="0" rotWithShape="1">
-          <a:blip r:embed="rId2">
-            <a:alphaModFix amt="15000"/>
-            <a:lum/>
-          </a:blip>
-          <a:srcRect/>
-          <a:stretch>
-            <a:fillRect l="29000" t="17000" r="29000" b="17000"/>
-          </a:stretch>
-        </a:blipFill>
-        <a:effectLst/>
-      </p:bgPr>
-    </p:bg>
-    <p:spTree>
-      <p:nvGrpSpPr>
-        <p:cNvPr id="1" name="">
-          <a:extLst>
-            <a:ext uri="{FF2B5EF4-FFF2-40B4-BE49-F238E27FC236}">
-              <a16:creationId xmlns:a16="http://schemas.microsoft.com/office/drawing/2014/main" id="{82197FB5-2E48-F309-D80C-EFAB39605E5E}"/>
-            </a:ext>
-          </a:extLst>
-        </p:cNvPr>
-        <p:cNvGrpSpPr/>
-        <p:nvPr/>
-      </p:nvGrpSpPr>
-      <p:grpSpPr>
-        <a:xfrm>
-          <a:off x="0" y="0"/>
-          <a:ext cx="0" cy="0"/>
-          <a:chOff x="0" y="0"/>
-          <a:chExt cx="0" cy="0"/>
-        </a:xfrm>
-      </p:grpSpPr>
-      <p:sp>
-        <p:nvSpPr>
-          <p:cNvPr id="11" name="TextBox 10">
-            <a:extLst>
-              <a:ext uri="{FF2B5EF4-FFF2-40B4-BE49-F238E27FC236}">
-                <a16:creationId xmlns:a16="http://schemas.microsoft.com/office/drawing/2014/main" id="{3F406600-F6CA-F4DD-831C-46E5F2B0155A}"/>
-              </a:ext>
-            </a:extLst>
-          </p:cNvPr>
-          <p:cNvSpPr txBox="1"/>
-          <p:nvPr/>
-        </p:nvSpPr>
-        <p:spPr>
-          <a:xfrm>
-            <a:off x="166254" y="545583"/>
-            <a:ext cx="11835245" cy="4031873"/>
-          </a:xfrm>
-          <a:prstGeom prst="rect">
-            <a:avLst/>
-          </a:prstGeom>
-          <a:noFill/>
-        </p:spPr>
-        <p:txBody>
-          <a:bodyPr wrap="square" rtlCol="0">
-            <a:spAutoFit/>
-          </a:bodyPr>
-          <a:lstStyle/>
-          <a:p>
-            <a:pPr marL="342900" indent="-342900">
-              <a:buFont typeface="+mj-lt"/>
-              <a:buAutoNum type="arabicPeriod" startAt="11"/>
-            </a:pPr>
-            <a:r>
-              <a:rPr lang="en-US" sz="1600" dirty="0"/>
-              <a:t>Configure a trigger in Jenkins dashboard (running on your laptop’s browser) which will be triggered by GitHub whenever there is a push on GitHub. This will help Jenkins to immediately take pull from GitHub and deploy the latest app. Following are the steps:</a:t>
-            </a:r>
-          </a:p>
-          <a:p>
-            <a:pPr marL="857250" lvl="1" indent="-400050">
-              <a:buFont typeface="+mj-lt"/>
-              <a:buAutoNum type="romanLcPeriod"/>
-            </a:pPr>
-            <a:r>
-              <a:rPr lang="en-US" sz="1600" dirty="0"/>
-              <a:t>In Jenkins dashboard (running on your laptop’s browser), click on “Configure”</a:t>
-            </a:r>
-          </a:p>
-          <a:p>
-            <a:pPr marL="857250" lvl="1" indent="-400050">
-              <a:buFont typeface="+mj-lt"/>
-              <a:buAutoNum type="romanLcPeriod"/>
-            </a:pPr>
-            <a:r>
-              <a:rPr lang="en-US" sz="1600" dirty="0"/>
-              <a:t>Then on “Triggers”, and select “GitHub hook trigger for </a:t>
-            </a:r>
-            <a:r>
-              <a:rPr lang="en-US" sz="1600" dirty="0" err="1"/>
-              <a:t>GitScm</a:t>
-            </a:r>
-            <a:r>
-              <a:rPr lang="en-US" sz="1600" dirty="0"/>
-              <a:t> polling”</a:t>
-            </a:r>
-          </a:p>
-          <a:p>
-            <a:pPr marL="342900" indent="-342900">
-              <a:buFont typeface="+mj-lt"/>
-              <a:buAutoNum type="arabicPeriod" startAt="11"/>
-            </a:pPr>
-            <a:r>
-              <a:rPr lang="en-US" sz="1600" dirty="0"/>
-              <a:t>Configure GitHub Webhook which will send a push notification to Jenkins trigger created in the above step to take pull whenever there is a push to the repository:</a:t>
-            </a:r>
-          </a:p>
-          <a:p>
-            <a:pPr marL="857250" lvl="1" indent="-400050">
-              <a:buFont typeface="+mj-lt"/>
-              <a:buAutoNum type="romanLcPeriod"/>
-            </a:pPr>
-            <a:r>
-              <a:rPr lang="en-US" sz="1600" dirty="0"/>
-              <a:t>In your GitHub repo, go to the “Settings”</a:t>
-            </a:r>
-          </a:p>
-          <a:p>
-            <a:pPr marL="857250" lvl="1" indent="-400050">
-              <a:buFont typeface="+mj-lt"/>
-              <a:buAutoNum type="romanLcPeriod"/>
-            </a:pPr>
-            <a:r>
-              <a:rPr lang="en-US" sz="1600" dirty="0"/>
-              <a:t>Click on “Webhooks”</a:t>
-            </a:r>
-          </a:p>
-          <a:p>
-            <a:pPr marL="857250" lvl="1" indent="-400050">
-              <a:buFont typeface="+mj-lt"/>
-              <a:buAutoNum type="romanLcPeriod"/>
-            </a:pPr>
-            <a:r>
-              <a:rPr lang="en-US" sz="1600" dirty="0"/>
-              <a:t>Now, click on “Add Webhook” and enter “http://&lt;EC2-public-ip&gt;:8080/</a:t>
-            </a:r>
-            <a:r>
-              <a:rPr lang="en-US" sz="1600" dirty="0" err="1"/>
-              <a:t>github</a:t>
-            </a:r>
-            <a:r>
-              <a:rPr lang="en-US" sz="1600" dirty="0"/>
-              <a:t>-webhook/” in the “Payload URL”</a:t>
-            </a:r>
-          </a:p>
-          <a:p>
-            <a:pPr marL="857250" lvl="1" indent="-400050">
-              <a:buFont typeface="+mj-lt"/>
-              <a:buAutoNum type="romanLcPeriod"/>
-            </a:pPr>
-            <a:r>
-              <a:rPr lang="en-US" sz="1600" dirty="0"/>
-              <a:t>Select “Content Type” as “application/</a:t>
-            </a:r>
-            <a:r>
-              <a:rPr lang="en-US" sz="1600" dirty="0" err="1"/>
-              <a:t>json</a:t>
-            </a:r>
-            <a:r>
-              <a:rPr lang="en-US" sz="1600" dirty="0"/>
-              <a:t>”</a:t>
-            </a:r>
-          </a:p>
-          <a:p>
-            <a:pPr marL="857250" lvl="1" indent="-400050">
-              <a:buFont typeface="+mj-lt"/>
-              <a:buAutoNum type="romanLcPeriod"/>
-            </a:pPr>
-            <a:r>
-              <a:rPr lang="en-US" sz="1600" dirty="0"/>
-              <a:t>Select “Events” as “Just the push event”</a:t>
-            </a:r>
-          </a:p>
-          <a:p>
-            <a:pPr marL="400050" indent="-400050">
-              <a:buFont typeface="+mj-lt"/>
-              <a:buAutoNum type="arabicPeriod" startAt="11"/>
-            </a:pPr>
-            <a:r>
-              <a:rPr lang="en-US" sz="1600" dirty="0"/>
-              <a:t>Manually create the first build:</a:t>
-            </a:r>
-          </a:p>
-          <a:p>
-            <a:pPr marL="857250" lvl="1" indent="-400050">
-              <a:buFont typeface="+mj-lt"/>
-              <a:buAutoNum type="romanLcPeriod"/>
-            </a:pPr>
-            <a:r>
-              <a:rPr lang="en-US" sz="1600" dirty="0"/>
-              <a:t>In the Jenkins dashboard (running in your laptop’s browser), just click on “Build Now”</a:t>
-            </a:r>
-          </a:p>
-          <a:p>
-            <a:pPr marL="857250" lvl="1" indent="-400050">
-              <a:buFont typeface="+mj-lt"/>
-              <a:buAutoNum type="romanLcPeriod"/>
-            </a:pPr>
-            <a:r>
-              <a:rPr lang="en-US" sz="1600" dirty="0"/>
-              <a:t>The first deployment should be done on your EC2 instance. Test it in your browser / terminal / postman app</a:t>
-            </a:r>
-          </a:p>
-          <a:p>
-            <a:pPr marL="857250" lvl="1" indent="-400050">
-              <a:buFont typeface="+mj-lt"/>
-              <a:buAutoNum type="romanLcPeriod"/>
-            </a:pPr>
-            <a:r>
-              <a:rPr lang="en-US" sz="1600" dirty="0"/>
-              <a:t>From now onwards, whenever you will push the code in your GitHub repo, Jenkins will automatically take the pull, delete the running Docker container in your EC2 instance, and deploy the new Docker container.</a:t>
-            </a:r>
-          </a:p>
-        </p:txBody>
-      </p:sp>
-      <p:sp>
-        <p:nvSpPr>
-          <p:cNvPr id="2" name="TextBox 1">
-            <a:extLst>
-              <a:ext uri="{FF2B5EF4-FFF2-40B4-BE49-F238E27FC236}">
-                <a16:creationId xmlns:a16="http://schemas.microsoft.com/office/drawing/2014/main" id="{2EDEEBC8-6F6A-7B43-E61C-D83369780E96}"/>
-              </a:ext>
-            </a:extLst>
-          </p:cNvPr>
-          <p:cNvSpPr txBox="1"/>
-          <p:nvPr/>
-        </p:nvSpPr>
-        <p:spPr>
-          <a:xfrm>
-            <a:off x="166255" y="145473"/>
-            <a:ext cx="11835245" cy="400110"/>
-          </a:xfrm>
-          <a:prstGeom prst="rect">
-            <a:avLst/>
-          </a:prstGeom>
-          <a:noFill/>
-        </p:spPr>
-        <p:txBody>
-          <a:bodyPr wrap="square" rtlCol="0">
-            <a:spAutoFit/>
-          </a:bodyPr>
-          <a:lstStyle/>
-          <a:p>
-            <a:r>
-              <a:rPr lang="en-IN" sz="2000" b="1" dirty="0"/>
               <a:t>[4/4] CI / CD Pipeline: EC2 / Jenkins / GitHub</a:t>
             </a:r>
           </a:p>
@@ -11836,7 +11084,7 @@
 </p:sld>
 </file>
 
-<file path=ppt/slides/slide12.xml><?xml version="1.0" encoding="utf-8"?>
+<file path=ppt/slides/slide11.xml><?xml version="1.0" encoding="utf-8"?>
 <p:sld xmlns:a="http://schemas.openxmlformats.org/drawingml/2006/main" xmlns:r="http://schemas.openxmlformats.org/officeDocument/2006/relationships" xmlns:p="http://schemas.openxmlformats.org/presentationml/2006/main">
   <p:cSld>
     <p:spTree>
@@ -12490,7 +11738,7 @@
 </p:sld>
 </file>
 
-<file path=ppt/slides/slide13.xml><?xml version="1.0" encoding="utf-8"?>
+<file path=ppt/slides/slide12.xml><?xml version="1.0" encoding="utf-8"?>
 <p:sld xmlns:a="http://schemas.openxmlformats.org/drawingml/2006/main" xmlns:r="http://schemas.openxmlformats.org/officeDocument/2006/relationships" xmlns:p="http://schemas.openxmlformats.org/presentationml/2006/main">
   <p:cSld>
     <p:spTree>
@@ -12947,7 +12195,7 @@
 </p:sld>
 </file>
 
-<file path=ppt/slides/slide14.xml><?xml version="1.0" encoding="utf-8"?>
+<file path=ppt/slides/slide13.xml><?xml version="1.0" encoding="utf-8"?>
 <p:sld xmlns:a="http://schemas.openxmlformats.org/drawingml/2006/main" xmlns:r="http://schemas.openxmlformats.org/officeDocument/2006/relationships" xmlns:p="http://schemas.openxmlformats.org/presentationml/2006/main">
   <p:cSld>
     <p:spTree>
@@ -13187,7 +12435,7 @@
 </p:sld>
 </file>
 
-<file path=ppt/slides/slide15.xml><?xml version="1.0" encoding="utf-8"?>
+<file path=ppt/slides/slide14.xml><?xml version="1.0" encoding="utf-8"?>
 <p:sld xmlns:a="http://schemas.openxmlformats.org/drawingml/2006/main" xmlns:r="http://schemas.openxmlformats.org/officeDocument/2006/relationships" xmlns:p="http://schemas.openxmlformats.org/presentationml/2006/main">
   <p:cSld>
     <p:spTree>
@@ -13785,7 +13033,7 @@
 </p:sld>
 </file>
 
-<file path=ppt/slides/slide16.xml><?xml version="1.0" encoding="utf-8"?>
+<file path=ppt/slides/slide15.xml><?xml version="1.0" encoding="utf-8"?>
 <p:sld xmlns:a="http://schemas.openxmlformats.org/drawingml/2006/main" xmlns:r="http://schemas.openxmlformats.org/officeDocument/2006/relationships" xmlns:p="http://schemas.openxmlformats.org/presentationml/2006/main">
   <p:cSld>
     <p:spTree>
@@ -13923,7 +13171,7 @@
 </p:sld>
 </file>
 
-<file path=ppt/slides/slide17.xml><?xml version="1.0" encoding="utf-8"?>
+<file path=ppt/slides/slide16.xml><?xml version="1.0" encoding="utf-8"?>
 <p:sld xmlns:a="http://schemas.openxmlformats.org/drawingml/2006/main" xmlns:r="http://schemas.openxmlformats.org/officeDocument/2006/relationships" xmlns:p="http://schemas.openxmlformats.org/presentationml/2006/main">
   <p:cSld>
     <p:spTree>
@@ -14151,7 +13399,7 @@
 </p:sld>
 </file>
 
-<file path=ppt/slides/slide18.xml><?xml version="1.0" encoding="utf-8"?>
+<file path=ppt/slides/slide17.xml><?xml version="1.0" encoding="utf-8"?>
 <p:sld xmlns:a="http://schemas.openxmlformats.org/drawingml/2006/main" xmlns:r="http://schemas.openxmlformats.org/officeDocument/2006/relationships" xmlns:p="http://schemas.openxmlformats.org/presentationml/2006/main">
   <p:cSld>
     <p:spTree>
@@ -14753,7 +14001,7 @@
 </p:sld>
 </file>
 
-<file path=ppt/slides/slide19.xml><?xml version="1.0" encoding="utf-8"?>
+<file path=ppt/slides/slide18.xml><?xml version="1.0" encoding="utf-8"?>
 <p:sld xmlns:a="http://schemas.openxmlformats.org/drawingml/2006/main" xmlns:r="http://schemas.openxmlformats.org/officeDocument/2006/relationships" xmlns:p="http://schemas.openxmlformats.org/presentationml/2006/main">
   <p:cSld>
     <p:spTree>
@@ -15427,255 +14675,7 @@
 </p:sld>
 </file>
 
-<file path=ppt/slides/slide2.xml><?xml version="1.0" encoding="utf-8"?>
-<p:sld xmlns:a="http://schemas.openxmlformats.org/drawingml/2006/main" xmlns:r="http://schemas.openxmlformats.org/officeDocument/2006/relationships" xmlns:p="http://schemas.openxmlformats.org/presentationml/2006/main">
-  <p:cSld>
-    <p:spTree>
-      <p:nvGrpSpPr>
-        <p:cNvPr id="1" name="">
-          <a:extLst>
-            <a:ext uri="{FF2B5EF4-FFF2-40B4-BE49-F238E27FC236}">
-              <a16:creationId xmlns:a16="http://schemas.microsoft.com/office/drawing/2014/main" id="{E6A725E4-79BF-6433-3A5B-CD352C7F5FC9}"/>
-            </a:ext>
-          </a:extLst>
-        </p:cNvPr>
-        <p:cNvGrpSpPr/>
-        <p:nvPr/>
-      </p:nvGrpSpPr>
-      <p:grpSpPr>
-        <a:xfrm>
-          <a:off x="0" y="0"/>
-          <a:ext cx="0" cy="0"/>
-          <a:chOff x="0" y="0"/>
-          <a:chExt cx="0" cy="0"/>
-        </a:xfrm>
-      </p:grpSpPr>
-      <p:sp>
-        <p:nvSpPr>
-          <p:cNvPr id="2" name="TextBox 1">
-            <a:extLst>
-              <a:ext uri="{FF2B5EF4-FFF2-40B4-BE49-F238E27FC236}">
-                <a16:creationId xmlns:a16="http://schemas.microsoft.com/office/drawing/2014/main" id="{66CD46F5-FCAE-7830-39D3-BB6C1F0C6307}"/>
-              </a:ext>
-            </a:extLst>
-          </p:cNvPr>
-          <p:cNvSpPr txBox="1"/>
-          <p:nvPr/>
-        </p:nvSpPr>
-        <p:spPr>
-          <a:xfrm>
-            <a:off x="166255" y="145473"/>
-            <a:ext cx="11835245" cy="400110"/>
-          </a:xfrm>
-          <a:prstGeom prst="rect">
-            <a:avLst/>
-          </a:prstGeom>
-          <a:noFill/>
-        </p:spPr>
-        <p:txBody>
-          <a:bodyPr wrap="square" rtlCol="0">
-            <a:spAutoFit/>
-          </a:bodyPr>
-          <a:lstStyle/>
-          <a:p>
-            <a:r>
-              <a:rPr lang="en-IN" sz="2000" b="1" dirty="0"/>
-              <a:t>CI / CD Pipeline: Introduction</a:t>
-            </a:r>
-          </a:p>
-        </p:txBody>
-      </p:sp>
-      <p:sp>
-        <p:nvSpPr>
-          <p:cNvPr id="3" name="TextBox 2">
-            <a:extLst>
-              <a:ext uri="{FF2B5EF4-FFF2-40B4-BE49-F238E27FC236}">
-                <a16:creationId xmlns:a16="http://schemas.microsoft.com/office/drawing/2014/main" id="{5F2DD39D-0141-74D4-F250-504BFBF16131}"/>
-              </a:ext>
-            </a:extLst>
-          </p:cNvPr>
-          <p:cNvSpPr txBox="1"/>
-          <p:nvPr/>
-        </p:nvSpPr>
-        <p:spPr>
-          <a:xfrm>
-            <a:off x="4779818" y="1012611"/>
-            <a:ext cx="7221682" cy="1323439"/>
-          </a:xfrm>
-          <a:prstGeom prst="rect">
-            <a:avLst/>
-          </a:prstGeom>
-          <a:noFill/>
-        </p:spPr>
-        <p:txBody>
-          <a:bodyPr wrap="square" rtlCol="0">
-            <a:spAutoFit/>
-          </a:bodyPr>
-          <a:lstStyle/>
-          <a:p>
-            <a:r>
-              <a:rPr lang="en-IN" sz="1600" dirty="0"/>
-              <a:t>CI / CD pipeline:</a:t>
-            </a:r>
-          </a:p>
-          <a:p>
-            <a:pPr marL="288000" indent="-288000">
-              <a:buFont typeface="Courier New" panose="02070309020205020404" pitchFamily="49" charset="0"/>
-              <a:buChar char="o"/>
-            </a:pPr>
-            <a:r>
-              <a:rPr lang="en-IN" sz="1600" dirty="0"/>
-              <a:t>CI (Continuous Integration): Merges code changes frequently and runs automated tests to catch errors early.</a:t>
-            </a:r>
-          </a:p>
-          <a:p>
-            <a:pPr marL="288000" indent="-288000">
-              <a:buFont typeface="Courier New" panose="02070309020205020404" pitchFamily="49" charset="0"/>
-              <a:buChar char="o"/>
-            </a:pPr>
-            <a:r>
-              <a:rPr lang="en-IN" sz="1600" dirty="0"/>
-              <a:t>CD (Continuous Delivery / Deployment): Automatically delivers or deploys the tested code to production (or staging) environment.</a:t>
-            </a:r>
-          </a:p>
-        </p:txBody>
-      </p:sp>
-      <p:pic>
-        <p:nvPicPr>
-          <p:cNvPr id="1026" name="Picture 2" descr="Continuous Integration and Delivery (CI/CD) Explained">
-            <a:extLst>
-              <a:ext uri="{FF2B5EF4-FFF2-40B4-BE49-F238E27FC236}">
-                <a16:creationId xmlns:a16="http://schemas.microsoft.com/office/drawing/2014/main" id="{ED1F145E-85B7-F8BD-AA93-D59DD3B3AD73}"/>
-              </a:ext>
-            </a:extLst>
-          </p:cNvPr>
-          <p:cNvPicPr>
-            <a:picLocks noChangeAspect="1" noChangeArrowheads="1"/>
-          </p:cNvPicPr>
-          <p:nvPr/>
-        </p:nvPicPr>
-        <p:blipFill>
-          <a:blip r:embed="rId2">
-            <a:extLst>
-              <a:ext uri="{28A0092B-C50C-407E-A947-70E740481C1C}">
-                <a14:useLocalDpi xmlns:a14="http://schemas.microsoft.com/office/drawing/2010/main" val="0"/>
-              </a:ext>
-            </a:extLst>
-          </a:blip>
-          <a:srcRect/>
-          <a:stretch>
-            <a:fillRect/>
-          </a:stretch>
-        </p:blipFill>
-        <p:spPr bwMode="auto">
-          <a:xfrm>
-            <a:off x="166255" y="545583"/>
-            <a:ext cx="4506191" cy="2257496"/>
-          </a:xfrm>
-          <a:prstGeom prst="rect">
-            <a:avLst/>
-          </a:prstGeom>
-          <a:noFill/>
-          <a:extLst>
-            <a:ext uri="{909E8E84-426E-40DD-AFC4-6F175D3DCCD1}">
-              <a14:hiddenFill xmlns:a14="http://schemas.microsoft.com/office/drawing/2010/main">
-                <a:solidFill>
-                  <a:srgbClr val="FFFFFF"/>
-                </a:solidFill>
-              </a14:hiddenFill>
-            </a:ext>
-          </a:extLst>
-        </p:spPr>
-      </p:pic>
-      <p:sp>
-        <p:nvSpPr>
-          <p:cNvPr id="4" name="TextBox 3">
-            <a:extLst>
-              <a:ext uri="{FF2B5EF4-FFF2-40B4-BE49-F238E27FC236}">
-                <a16:creationId xmlns:a16="http://schemas.microsoft.com/office/drawing/2014/main" id="{A4740F9F-6998-D736-34A2-86F79AAC3EB7}"/>
-              </a:ext>
-            </a:extLst>
-          </p:cNvPr>
-          <p:cNvSpPr txBox="1"/>
-          <p:nvPr/>
-        </p:nvSpPr>
-        <p:spPr>
-          <a:xfrm>
-            <a:off x="166255" y="3083635"/>
-            <a:ext cx="11835244" cy="1323439"/>
-          </a:xfrm>
-          <a:prstGeom prst="rect">
-            <a:avLst/>
-          </a:prstGeom>
-          <a:noFill/>
-        </p:spPr>
-        <p:txBody>
-          <a:bodyPr wrap="square" rtlCol="0">
-            <a:spAutoFit/>
-          </a:bodyPr>
-          <a:lstStyle/>
-          <a:p>
-            <a:r>
-              <a:rPr lang="en-IN" sz="1600" dirty="0"/>
-              <a:t>Following are the steps of CI / CD pipeline:</a:t>
-            </a:r>
-          </a:p>
-          <a:p>
-            <a:pPr marL="288000" lvl="1" indent="-288000">
-              <a:buFont typeface="+mj-lt"/>
-              <a:buAutoNum type="arabicPeriod"/>
-            </a:pPr>
-            <a:r>
-              <a:rPr lang="en-IN" sz="1600" dirty="0"/>
-              <a:t>Developer writes code</a:t>
-            </a:r>
-          </a:p>
-          <a:p>
-            <a:pPr marL="288000" lvl="1" indent="-288000">
-              <a:buFont typeface="+mj-lt"/>
-              <a:buAutoNum type="arabicPeriod"/>
-            </a:pPr>
-            <a:r>
-              <a:rPr lang="en-IN" sz="1600" dirty="0"/>
-              <a:t>CI (Continuous Integration): Automated build + unit tests + integration tests (to check code works with others)</a:t>
-            </a:r>
-          </a:p>
-          <a:p>
-            <a:pPr marL="288000" lvl="1" indent="-288000">
-              <a:buFont typeface="+mj-lt"/>
-              <a:buAutoNum type="arabicPeriod"/>
-            </a:pPr>
-            <a:r>
-              <a:rPr lang="en-IN" sz="1600" dirty="0"/>
-              <a:t>Deploy to staging: A pre-production test environment</a:t>
-            </a:r>
-          </a:p>
-          <a:p>
-            <a:pPr marL="288000" lvl="1" indent="-288000">
-              <a:buFont typeface="+mj-lt"/>
-              <a:buAutoNum type="arabicPeriod"/>
-            </a:pPr>
-            <a:r>
-              <a:rPr lang="en-IN" sz="1600" dirty="0"/>
-              <a:t>CD (Continuous Delivery / Deployment): Deploy to production for real user</a:t>
-            </a:r>
-          </a:p>
-        </p:txBody>
-      </p:sp>
-    </p:spTree>
-    <p:extLst>
-      <p:ext uri="{BB962C8B-B14F-4D97-AF65-F5344CB8AC3E}">
-        <p14:creationId xmlns:p14="http://schemas.microsoft.com/office/powerpoint/2010/main" val="4085913422"/>
-      </p:ext>
-    </p:extLst>
-  </p:cSld>
-  <p:clrMapOvr>
-    <a:masterClrMapping/>
-  </p:clrMapOvr>
-</p:sld>
-</file>
-
-<file path=ppt/slides/slide20.xml><?xml version="1.0" encoding="utf-8"?>
+<file path=ppt/slides/slide19.xml><?xml version="1.0" encoding="utf-8"?>
 <p:sld xmlns:a="http://schemas.openxmlformats.org/drawingml/2006/main" xmlns:r="http://schemas.openxmlformats.org/officeDocument/2006/relationships" xmlns:p="http://schemas.openxmlformats.org/presentationml/2006/main">
   <p:cSld>
     <p:spTree>
@@ -15960,7 +14960,255 @@
 </p:sld>
 </file>
 
-<file path=ppt/slides/slide21.xml><?xml version="1.0" encoding="utf-8"?>
+<file path=ppt/slides/slide2.xml><?xml version="1.0" encoding="utf-8"?>
+<p:sld xmlns:a="http://schemas.openxmlformats.org/drawingml/2006/main" xmlns:r="http://schemas.openxmlformats.org/officeDocument/2006/relationships" xmlns:p="http://schemas.openxmlformats.org/presentationml/2006/main">
+  <p:cSld>
+    <p:spTree>
+      <p:nvGrpSpPr>
+        <p:cNvPr id="1" name="">
+          <a:extLst>
+            <a:ext uri="{FF2B5EF4-FFF2-40B4-BE49-F238E27FC236}">
+              <a16:creationId xmlns:a16="http://schemas.microsoft.com/office/drawing/2014/main" id="{E6A725E4-79BF-6433-3A5B-CD352C7F5FC9}"/>
+            </a:ext>
+          </a:extLst>
+        </p:cNvPr>
+        <p:cNvGrpSpPr/>
+        <p:nvPr/>
+      </p:nvGrpSpPr>
+      <p:grpSpPr>
+        <a:xfrm>
+          <a:off x="0" y="0"/>
+          <a:ext cx="0" cy="0"/>
+          <a:chOff x="0" y="0"/>
+          <a:chExt cx="0" cy="0"/>
+        </a:xfrm>
+      </p:grpSpPr>
+      <p:sp>
+        <p:nvSpPr>
+          <p:cNvPr id="2" name="TextBox 1">
+            <a:extLst>
+              <a:ext uri="{FF2B5EF4-FFF2-40B4-BE49-F238E27FC236}">
+                <a16:creationId xmlns:a16="http://schemas.microsoft.com/office/drawing/2014/main" id="{66CD46F5-FCAE-7830-39D3-BB6C1F0C6307}"/>
+              </a:ext>
+            </a:extLst>
+          </p:cNvPr>
+          <p:cNvSpPr txBox="1"/>
+          <p:nvPr/>
+        </p:nvSpPr>
+        <p:spPr>
+          <a:xfrm>
+            <a:off x="166255" y="145473"/>
+            <a:ext cx="11835245" cy="400110"/>
+          </a:xfrm>
+          <a:prstGeom prst="rect">
+            <a:avLst/>
+          </a:prstGeom>
+          <a:noFill/>
+        </p:spPr>
+        <p:txBody>
+          <a:bodyPr wrap="square" rtlCol="0">
+            <a:spAutoFit/>
+          </a:bodyPr>
+          <a:lstStyle/>
+          <a:p>
+            <a:r>
+              <a:rPr lang="en-IN" sz="2000" b="1" dirty="0"/>
+              <a:t>CI / CD Pipeline: Introduction</a:t>
+            </a:r>
+          </a:p>
+        </p:txBody>
+      </p:sp>
+      <p:sp>
+        <p:nvSpPr>
+          <p:cNvPr id="3" name="TextBox 2">
+            <a:extLst>
+              <a:ext uri="{FF2B5EF4-FFF2-40B4-BE49-F238E27FC236}">
+                <a16:creationId xmlns:a16="http://schemas.microsoft.com/office/drawing/2014/main" id="{5F2DD39D-0141-74D4-F250-504BFBF16131}"/>
+              </a:ext>
+            </a:extLst>
+          </p:cNvPr>
+          <p:cNvSpPr txBox="1"/>
+          <p:nvPr/>
+        </p:nvSpPr>
+        <p:spPr>
+          <a:xfrm>
+            <a:off x="4779818" y="1012611"/>
+            <a:ext cx="7221682" cy="1323439"/>
+          </a:xfrm>
+          <a:prstGeom prst="rect">
+            <a:avLst/>
+          </a:prstGeom>
+          <a:noFill/>
+        </p:spPr>
+        <p:txBody>
+          <a:bodyPr wrap="square" rtlCol="0">
+            <a:spAutoFit/>
+          </a:bodyPr>
+          <a:lstStyle/>
+          <a:p>
+            <a:r>
+              <a:rPr lang="en-IN" sz="1600" dirty="0"/>
+              <a:t>CI / CD pipeline:</a:t>
+            </a:r>
+          </a:p>
+          <a:p>
+            <a:pPr marL="288000" indent="-288000">
+              <a:buFont typeface="Courier New" panose="02070309020205020404" pitchFamily="49" charset="0"/>
+              <a:buChar char="o"/>
+            </a:pPr>
+            <a:r>
+              <a:rPr lang="en-IN" sz="1600" dirty="0"/>
+              <a:t>CI (Continuous Integration): Merges code changes frequently and runs automated tests to catch errors early.</a:t>
+            </a:r>
+          </a:p>
+          <a:p>
+            <a:pPr marL="288000" indent="-288000">
+              <a:buFont typeface="Courier New" panose="02070309020205020404" pitchFamily="49" charset="0"/>
+              <a:buChar char="o"/>
+            </a:pPr>
+            <a:r>
+              <a:rPr lang="en-IN" sz="1600" dirty="0"/>
+              <a:t>CD (Continuous Delivery / Deployment): Automatically delivers or deploys the tested code to production (or staging) environment.</a:t>
+            </a:r>
+          </a:p>
+        </p:txBody>
+      </p:sp>
+      <p:pic>
+        <p:nvPicPr>
+          <p:cNvPr id="1026" name="Picture 2" descr="Continuous Integration and Delivery (CI/CD) Explained">
+            <a:extLst>
+              <a:ext uri="{FF2B5EF4-FFF2-40B4-BE49-F238E27FC236}">
+                <a16:creationId xmlns:a16="http://schemas.microsoft.com/office/drawing/2014/main" id="{ED1F145E-85B7-F8BD-AA93-D59DD3B3AD73}"/>
+              </a:ext>
+            </a:extLst>
+          </p:cNvPr>
+          <p:cNvPicPr>
+            <a:picLocks noChangeAspect="1" noChangeArrowheads="1"/>
+          </p:cNvPicPr>
+          <p:nvPr/>
+        </p:nvPicPr>
+        <p:blipFill>
+          <a:blip r:embed="rId2">
+            <a:extLst>
+              <a:ext uri="{28A0092B-C50C-407E-A947-70E740481C1C}">
+                <a14:useLocalDpi xmlns:a14="http://schemas.microsoft.com/office/drawing/2010/main" val="0"/>
+              </a:ext>
+            </a:extLst>
+          </a:blip>
+          <a:srcRect/>
+          <a:stretch>
+            <a:fillRect/>
+          </a:stretch>
+        </p:blipFill>
+        <p:spPr bwMode="auto">
+          <a:xfrm>
+            <a:off x="166255" y="545583"/>
+            <a:ext cx="4506191" cy="2257496"/>
+          </a:xfrm>
+          <a:prstGeom prst="rect">
+            <a:avLst/>
+          </a:prstGeom>
+          <a:noFill/>
+          <a:extLst>
+            <a:ext uri="{909E8E84-426E-40DD-AFC4-6F175D3DCCD1}">
+              <a14:hiddenFill xmlns:a14="http://schemas.microsoft.com/office/drawing/2010/main">
+                <a:solidFill>
+                  <a:srgbClr val="FFFFFF"/>
+                </a:solidFill>
+              </a14:hiddenFill>
+            </a:ext>
+          </a:extLst>
+        </p:spPr>
+      </p:pic>
+      <p:sp>
+        <p:nvSpPr>
+          <p:cNvPr id="4" name="TextBox 3">
+            <a:extLst>
+              <a:ext uri="{FF2B5EF4-FFF2-40B4-BE49-F238E27FC236}">
+                <a16:creationId xmlns:a16="http://schemas.microsoft.com/office/drawing/2014/main" id="{A4740F9F-6998-D736-34A2-86F79AAC3EB7}"/>
+              </a:ext>
+            </a:extLst>
+          </p:cNvPr>
+          <p:cNvSpPr txBox="1"/>
+          <p:nvPr/>
+        </p:nvSpPr>
+        <p:spPr>
+          <a:xfrm>
+            <a:off x="166255" y="3083635"/>
+            <a:ext cx="11835244" cy="1323439"/>
+          </a:xfrm>
+          <a:prstGeom prst="rect">
+            <a:avLst/>
+          </a:prstGeom>
+          <a:noFill/>
+        </p:spPr>
+        <p:txBody>
+          <a:bodyPr wrap="square" rtlCol="0">
+            <a:spAutoFit/>
+          </a:bodyPr>
+          <a:lstStyle/>
+          <a:p>
+            <a:r>
+              <a:rPr lang="en-IN" sz="1600" dirty="0"/>
+              <a:t>Following are the steps of CI / CD pipeline:</a:t>
+            </a:r>
+          </a:p>
+          <a:p>
+            <a:pPr marL="288000" lvl="1" indent="-288000">
+              <a:buFont typeface="+mj-lt"/>
+              <a:buAutoNum type="arabicPeriod"/>
+            </a:pPr>
+            <a:r>
+              <a:rPr lang="en-IN" sz="1600" dirty="0"/>
+              <a:t>Developer writes code</a:t>
+            </a:r>
+          </a:p>
+          <a:p>
+            <a:pPr marL="288000" lvl="1" indent="-288000">
+              <a:buFont typeface="+mj-lt"/>
+              <a:buAutoNum type="arabicPeriod"/>
+            </a:pPr>
+            <a:r>
+              <a:rPr lang="en-IN" sz="1600" dirty="0"/>
+              <a:t>CI (Continuous Integration): Automated build + unit tests + integration tests (to check code works with others)</a:t>
+            </a:r>
+          </a:p>
+          <a:p>
+            <a:pPr marL="288000" lvl="1" indent="-288000">
+              <a:buFont typeface="+mj-lt"/>
+              <a:buAutoNum type="arabicPeriod"/>
+            </a:pPr>
+            <a:r>
+              <a:rPr lang="en-IN" sz="1600" dirty="0"/>
+              <a:t>Deploy to staging: A pre-production test environment</a:t>
+            </a:r>
+          </a:p>
+          <a:p>
+            <a:pPr marL="288000" lvl="1" indent="-288000">
+              <a:buFont typeface="+mj-lt"/>
+              <a:buAutoNum type="arabicPeriod"/>
+            </a:pPr>
+            <a:r>
+              <a:rPr lang="en-IN" sz="1600" dirty="0"/>
+              <a:t>CD (Continuous Delivery / Deployment): Deploy to production for real user</a:t>
+            </a:r>
+          </a:p>
+        </p:txBody>
+      </p:sp>
+    </p:spTree>
+    <p:extLst>
+      <p:ext uri="{BB962C8B-B14F-4D97-AF65-F5344CB8AC3E}">
+        <p14:creationId xmlns:p14="http://schemas.microsoft.com/office/powerpoint/2010/main" val="4085913422"/>
+      </p:ext>
+    </p:extLst>
+  </p:cSld>
+  <p:clrMapOvr>
+    <a:masterClrMapping/>
+  </p:clrMapOvr>
+</p:sld>
+</file>
+
+<file path=ppt/slides/slide20.xml><?xml version="1.0" encoding="utf-8"?>
 <p:sld xmlns:a="http://schemas.openxmlformats.org/drawingml/2006/main" xmlns:r="http://schemas.openxmlformats.org/officeDocument/2006/relationships" xmlns:p="http://schemas.openxmlformats.org/presentationml/2006/main">
   <p:cSld>
     <p:spTree>
@@ -16094,7 +15342,7 @@
 </p:sld>
 </file>
 
-<file path=ppt/slides/slide22.xml><?xml version="1.0" encoding="utf-8"?>
+<file path=ppt/slides/slide21.xml><?xml version="1.0" encoding="utf-8"?>
 <p:sld xmlns:a="http://schemas.openxmlformats.org/drawingml/2006/main" xmlns:r="http://schemas.openxmlformats.org/officeDocument/2006/relationships" xmlns:p="http://schemas.openxmlformats.org/presentationml/2006/main">
   <p:cSld>
     <p:spTree>
@@ -21989,276 +21237,6 @@
         <p:cNvPr id="1" name="">
           <a:extLst>
             <a:ext uri="{FF2B5EF4-FFF2-40B4-BE49-F238E27FC236}">
-              <a16:creationId xmlns:a16="http://schemas.microsoft.com/office/drawing/2014/main" id="{51E5205D-E0BF-ABCF-2324-BC46E1C51609}"/>
-            </a:ext>
-          </a:extLst>
-        </p:cNvPr>
-        <p:cNvGrpSpPr/>
-        <p:nvPr/>
-      </p:nvGrpSpPr>
-      <p:grpSpPr>
-        <a:xfrm>
-          <a:off x="0" y="0"/>
-          <a:ext cx="0" cy="0"/>
-          <a:chOff x="0" y="0"/>
-          <a:chExt cx="0" cy="0"/>
-        </a:xfrm>
-      </p:grpSpPr>
-      <p:sp>
-        <p:nvSpPr>
-          <p:cNvPr id="2" name="TextBox 1">
-            <a:extLst>
-              <a:ext uri="{FF2B5EF4-FFF2-40B4-BE49-F238E27FC236}">
-                <a16:creationId xmlns:a16="http://schemas.microsoft.com/office/drawing/2014/main" id="{93A63FFC-B047-260D-467C-2434CB7600EE}"/>
-              </a:ext>
-            </a:extLst>
-          </p:cNvPr>
-          <p:cNvSpPr txBox="1"/>
-          <p:nvPr/>
-        </p:nvSpPr>
-        <p:spPr>
-          <a:xfrm>
-            <a:off x="166255" y="145473"/>
-            <a:ext cx="11835245" cy="400110"/>
-          </a:xfrm>
-          <a:prstGeom prst="rect">
-            <a:avLst/>
-          </a:prstGeom>
-          <a:noFill/>
-        </p:spPr>
-        <p:txBody>
-          <a:bodyPr wrap="square" rtlCol="0">
-            <a:spAutoFit/>
-          </a:bodyPr>
-          <a:lstStyle/>
-          <a:p>
-            <a:r>
-              <a:rPr lang="en-IN" sz="2000" b="1" dirty="0"/>
-              <a:t>CI / CD Pipeline: Deploying a GenAI App</a:t>
-            </a:r>
-          </a:p>
-        </p:txBody>
-      </p:sp>
-      <p:sp>
-        <p:nvSpPr>
-          <p:cNvPr id="10" name="TextBox 9">
-            <a:extLst>
-              <a:ext uri="{FF2B5EF4-FFF2-40B4-BE49-F238E27FC236}">
-                <a16:creationId xmlns:a16="http://schemas.microsoft.com/office/drawing/2014/main" id="{7932DABE-6E0A-0883-886C-19CA87027060}"/>
-              </a:ext>
-            </a:extLst>
-          </p:cNvPr>
-          <p:cNvSpPr txBox="1"/>
-          <p:nvPr/>
-        </p:nvSpPr>
-        <p:spPr>
-          <a:xfrm>
-            <a:off x="166255" y="545583"/>
-            <a:ext cx="11835245" cy="3046988"/>
-          </a:xfrm>
-          <a:prstGeom prst="rect">
-            <a:avLst/>
-          </a:prstGeom>
-          <a:noFill/>
-        </p:spPr>
-        <p:txBody>
-          <a:bodyPr wrap="square" rtlCol="0">
-            <a:spAutoFit/>
-          </a:bodyPr>
-          <a:lstStyle/>
-          <a:p>
-            <a:pPr marL="285750" indent="-285750">
-              <a:buFont typeface="Arial" panose="020B0604020202020204" pitchFamily="34" charset="0"/>
-              <a:buChar char="•"/>
-            </a:pPr>
-            <a:r>
-              <a:rPr lang="en-IN" sz="1600" b="1" dirty="0"/>
-              <a:t>Code development / deployment pipeline:</a:t>
-            </a:r>
-          </a:p>
-          <a:p>
-            <a:pPr marL="800100" lvl="1" indent="-342900">
-              <a:buFont typeface="+mj-lt"/>
-              <a:buAutoNum type="arabicPeriod"/>
-            </a:pPr>
-            <a:r>
-              <a:rPr lang="en-IN" sz="1600" dirty="0"/>
-              <a:t>Develop &amp; Test → Build </a:t>
-            </a:r>
-            <a:r>
-              <a:rPr lang="en-IN" sz="1600" dirty="0" err="1"/>
-              <a:t>FastAPI</a:t>
-            </a:r>
-            <a:r>
-              <a:rPr lang="en-IN" sz="1600" dirty="0"/>
-              <a:t> RAG app locally, manage prompts + evaluation with </a:t>
-            </a:r>
-            <a:r>
-              <a:rPr lang="en-IN" sz="1600" dirty="0" err="1"/>
-              <a:t>LangFuse</a:t>
-            </a:r>
-            <a:r>
-              <a:rPr lang="en-IN" sz="1600" dirty="0"/>
-              <a:t>.</a:t>
-            </a:r>
-          </a:p>
-          <a:p>
-            <a:pPr marL="800100" lvl="1" indent="-342900">
-              <a:buFont typeface="+mj-lt"/>
-              <a:buAutoNum type="arabicPeriod"/>
-            </a:pPr>
-            <a:r>
-              <a:rPr lang="en-IN" sz="1600" dirty="0"/>
-              <a:t>Push to GitHub → Code + </a:t>
-            </a:r>
-            <a:r>
-              <a:rPr lang="en-IN" sz="1600" dirty="0" err="1"/>
-              <a:t>Dockerfile</a:t>
-            </a:r>
-            <a:r>
-              <a:rPr lang="en-IN" sz="1600" dirty="0"/>
-              <a:t> (not Chroma DB, only code).</a:t>
-            </a:r>
-          </a:p>
-          <a:p>
-            <a:pPr marL="800100" lvl="1" indent="-342900">
-              <a:buFont typeface="+mj-lt"/>
-              <a:buAutoNum type="arabicPeriod"/>
-            </a:pPr>
-            <a:r>
-              <a:rPr lang="en-IN" sz="1600" dirty="0"/>
-              <a:t>Jenkins on EC2 → Pull repo → build Docker image → </a:t>
-            </a:r>
-            <a:r>
-              <a:rPr lang="en-IN" sz="1600" dirty="0">
-                <a:solidFill>
-                  <a:schemeClr val="bg1">
-                    <a:lumMod val="50000"/>
-                  </a:schemeClr>
-                </a:solidFill>
-              </a:rPr>
-              <a:t>push to AWS ECR (versioned tags).</a:t>
-            </a:r>
-          </a:p>
-          <a:p>
-            <a:pPr marL="800100" lvl="1" indent="-342900">
-              <a:buFont typeface="+mj-lt"/>
-              <a:buAutoNum type="arabicPeriod"/>
-            </a:pPr>
-            <a:r>
-              <a:rPr lang="en-IN" sz="1600" dirty="0">
-                <a:solidFill>
-                  <a:schemeClr val="bg1">
-                    <a:lumMod val="50000"/>
-                  </a:schemeClr>
-                </a:solidFill>
-              </a:rPr>
-              <a:t>Deploy on ECS → ECS service pulls image from ECR and runs container.</a:t>
-            </a:r>
-          </a:p>
-          <a:p>
-            <a:pPr marL="800100" lvl="1" indent="-342900">
-              <a:buFont typeface="+mj-lt"/>
-              <a:buAutoNum type="arabicPeriod"/>
-            </a:pPr>
-            <a:r>
-              <a:rPr lang="en-IN" sz="1600" dirty="0">
-                <a:solidFill>
-                  <a:schemeClr val="bg1">
-                    <a:lumMod val="50000"/>
-                  </a:schemeClr>
-                </a:solidFill>
-              </a:rPr>
-              <a:t>Future commits → Jenkins rebuilds + pushes new image → ECS updates task.</a:t>
-            </a:r>
-          </a:p>
-          <a:p>
-            <a:pPr marL="800100" lvl="1" indent="-342900">
-              <a:buFont typeface="+mj-lt"/>
-              <a:buAutoNum type="arabicPeriod"/>
-            </a:pPr>
-            <a:r>
-              <a:rPr lang="en-IN" sz="1600" dirty="0">
-                <a:solidFill>
-                  <a:schemeClr val="bg1">
-                    <a:lumMod val="50000"/>
-                  </a:schemeClr>
-                </a:solidFill>
-              </a:rPr>
-              <a:t>Rollback → If failure, Jenkins/ECS redeploys previous stable image tag from ECR</a:t>
-            </a:r>
-          </a:p>
-          <a:p>
-            <a:pPr marL="285750" indent="-285750">
-              <a:buFont typeface="Arial" panose="020B0604020202020204" pitchFamily="34" charset="0"/>
-              <a:buChar char="•"/>
-            </a:pPr>
-            <a:r>
-              <a:rPr lang="en-IN" sz="1600" b="1" dirty="0"/>
-              <a:t>Creating vector database and accessing .env secrets in the deployment:</a:t>
-            </a:r>
-          </a:p>
-          <a:p>
-            <a:pPr marL="800100" lvl="1" indent="-342900">
-              <a:buFont typeface="+mj-lt"/>
-              <a:buAutoNum type="arabicPeriod"/>
-            </a:pPr>
-            <a:r>
-              <a:rPr lang="en-IN" sz="1600" dirty="0"/>
-              <a:t>Secrets → ECS Task Definition injects env vars (OPENAI_API_KEY).</a:t>
-            </a:r>
-          </a:p>
-          <a:p>
-            <a:pPr marL="800100" lvl="1" indent="-342900">
-              <a:buFont typeface="+mj-lt"/>
-              <a:buAutoNum type="arabicPeriod"/>
-            </a:pPr>
-            <a:r>
-              <a:rPr lang="en-IN" sz="1600" dirty="0"/>
-              <a:t>Data → Store in S3.</a:t>
-            </a:r>
-          </a:p>
-          <a:p>
-            <a:pPr marL="800100" lvl="1" indent="-342900">
-              <a:buFont typeface="+mj-lt"/>
-              <a:buAutoNum type="arabicPeriod"/>
-            </a:pPr>
-            <a:r>
-              <a:rPr lang="en-IN" sz="1600" dirty="0"/>
-              <a:t>Vector DB → Run ingestion job (once), store Chroma DB in S3 or EBS volume. </a:t>
-            </a:r>
-            <a:r>
-              <a:rPr lang="en-IN" sz="1600" dirty="0" err="1"/>
-              <a:t>FastAPI</a:t>
-            </a:r>
-            <a:r>
-              <a:rPr lang="en-IN" sz="1600" dirty="0"/>
-              <a:t> container mounts it read-only when serving.</a:t>
-            </a:r>
-          </a:p>
-        </p:txBody>
-      </p:sp>
-    </p:spTree>
-    <p:extLst>
-      <p:ext uri="{BB962C8B-B14F-4D97-AF65-F5344CB8AC3E}">
-        <p14:creationId xmlns:p14="http://schemas.microsoft.com/office/powerpoint/2010/main" val="2483264856"/>
-      </p:ext>
-    </p:extLst>
-  </p:cSld>
-  <p:clrMapOvr>
-    <a:masterClrMapping/>
-  </p:clrMapOvr>
-</p:sld>
-</file>
-
-<file path=ppt/slides/slide6.xml><?xml version="1.0" encoding="utf-8"?>
-<p:sld xmlns:a="http://schemas.openxmlformats.org/drawingml/2006/main" xmlns:r="http://schemas.openxmlformats.org/officeDocument/2006/relationships" xmlns:p="http://schemas.openxmlformats.org/presentationml/2006/main">
-  <p:cSld>
-    <p:spTree>
-      <p:nvGrpSpPr>
-        <p:cNvPr id="1" name="">
-          <a:extLst>
-            <a:ext uri="{FF2B5EF4-FFF2-40B4-BE49-F238E27FC236}">
               <a16:creationId xmlns:a16="http://schemas.microsoft.com/office/drawing/2014/main" id="{4431C2CD-85D5-97AB-32DB-E2B21E21F96A}"/>
             </a:ext>
           </a:extLst>
@@ -22659,7 +21637,7 @@
 </p:sld>
 </file>
 
-<file path=ppt/slides/slide7.xml><?xml version="1.0" encoding="utf-8"?>
+<file path=ppt/slides/slide6.xml><?xml version="1.0" encoding="utf-8"?>
 <p:sld xmlns:a="http://schemas.openxmlformats.org/drawingml/2006/main" xmlns:r="http://schemas.openxmlformats.org/officeDocument/2006/relationships" xmlns:p="http://schemas.openxmlformats.org/presentationml/2006/main">
   <p:cSld>
     <p:spTree>
@@ -23050,7 +22028,7 @@
 </p:sld>
 </file>
 
-<file path=ppt/slides/slide8.xml><?xml version="1.0" encoding="utf-8"?>
+<file path=ppt/slides/slide7.xml><?xml version="1.0" encoding="utf-8"?>
 <p:sld xmlns:a="http://schemas.openxmlformats.org/drawingml/2006/main" xmlns:r="http://schemas.openxmlformats.org/officeDocument/2006/relationships" xmlns:p="http://schemas.openxmlformats.org/presentationml/2006/main">
   <p:cSld>
     <p:bg>
@@ -23543,7 +22521,7 @@
 </p:sld>
 </file>
 
-<file path=ppt/slides/slide9.xml><?xml version="1.0" encoding="utf-8"?>
+<file path=ppt/slides/slide8.xml><?xml version="1.0" encoding="utf-8"?>
 <p:sld xmlns:a="http://schemas.openxmlformats.org/drawingml/2006/main" xmlns:r="http://schemas.openxmlformats.org/officeDocument/2006/relationships" xmlns:p="http://schemas.openxmlformats.org/presentationml/2006/main">
   <p:cSld>
     <p:bg>
@@ -23979,7 +22957,7 @@
             <a:pPr lvl="1"/>
             <a:r>
               <a:rPr lang="en-IN" sz="1600" dirty="0"/>
-              <a:t>(1) Pipeline    (2) Git / GitHub Integration    (3) Docker pipeline</a:t>
+              <a:t>(1) Pipeline    (2) GitHub Integration    (3) Docker pipeline    (4) Git    (5) GitHub</a:t>
             </a:r>
           </a:p>
         </p:txBody>
@@ -24023,6 +23001,1051 @@
     <p:extLst>
       <p:ext uri="{BB962C8B-B14F-4D97-AF65-F5344CB8AC3E}">
         <p14:creationId xmlns:p14="http://schemas.microsoft.com/office/powerpoint/2010/main" val="1551434608"/>
+      </p:ext>
+    </p:extLst>
+  </p:cSld>
+  <p:clrMapOvr>
+    <a:masterClrMapping/>
+  </p:clrMapOvr>
+</p:sld>
+</file>
+
+<file path=ppt/slides/slide9.xml><?xml version="1.0" encoding="utf-8"?>
+<p:sld xmlns:a="http://schemas.openxmlformats.org/drawingml/2006/main" xmlns:r="http://schemas.openxmlformats.org/officeDocument/2006/relationships" xmlns:p="http://schemas.openxmlformats.org/presentationml/2006/main">
+  <p:cSld>
+    <p:bg>
+      <p:bgPr>
+        <a:blipFill dpi="0" rotWithShape="1">
+          <a:blip r:embed="rId2">
+            <a:alphaModFix amt="15000"/>
+            <a:lum/>
+          </a:blip>
+          <a:srcRect/>
+          <a:stretch>
+            <a:fillRect l="29000" t="17000" r="29000" b="17000"/>
+          </a:stretch>
+        </a:blipFill>
+        <a:effectLst/>
+      </p:bgPr>
+    </p:bg>
+    <p:spTree>
+      <p:nvGrpSpPr>
+        <p:cNvPr id="1" name="">
+          <a:extLst>
+            <a:ext uri="{FF2B5EF4-FFF2-40B4-BE49-F238E27FC236}">
+              <a16:creationId xmlns:a16="http://schemas.microsoft.com/office/drawing/2014/main" id="{8F109D91-CD8B-9E60-B2FA-0C1FC2DD76E0}"/>
+            </a:ext>
+          </a:extLst>
+        </p:cNvPr>
+        <p:cNvGrpSpPr/>
+        <p:nvPr/>
+      </p:nvGrpSpPr>
+      <p:grpSpPr>
+        <a:xfrm>
+          <a:off x="0" y="0"/>
+          <a:ext cx="0" cy="0"/>
+          <a:chOff x="0" y="0"/>
+          <a:chExt cx="0" cy="0"/>
+        </a:xfrm>
+      </p:grpSpPr>
+      <p:sp>
+        <p:nvSpPr>
+          <p:cNvPr id="11" name="TextBox 10">
+            <a:extLst>
+              <a:ext uri="{FF2B5EF4-FFF2-40B4-BE49-F238E27FC236}">
+                <a16:creationId xmlns:a16="http://schemas.microsoft.com/office/drawing/2014/main" id="{AA4ACBDF-67CF-D506-2FAA-268E88E91EF6}"/>
+              </a:ext>
+            </a:extLst>
+          </p:cNvPr>
+          <p:cNvSpPr txBox="1"/>
+          <p:nvPr/>
+        </p:nvSpPr>
+        <p:spPr>
+          <a:xfrm>
+            <a:off x="166254" y="545583"/>
+            <a:ext cx="5237019" cy="6247864"/>
+          </a:xfrm>
+          <a:prstGeom prst="rect">
+            <a:avLst/>
+          </a:prstGeom>
+          <a:noFill/>
+        </p:spPr>
+        <p:txBody>
+          <a:bodyPr wrap="square" rtlCol="0">
+            <a:spAutoFit/>
+          </a:bodyPr>
+          <a:lstStyle/>
+          <a:p>
+            <a:pPr marL="342900" indent="-342900">
+              <a:buFont typeface="+mj-lt"/>
+              <a:buAutoNum type="arabicPeriod" startAt="10"/>
+            </a:pPr>
+            <a:r>
+              <a:rPr lang="en-US" sz="1600" dirty="0"/>
+              <a:t>Create a pipeline job:</a:t>
+            </a:r>
+          </a:p>
+          <a:p>
+            <a:pPr marL="800100" lvl="1" indent="-342900">
+              <a:buFont typeface="Courier New" panose="02070309020205020404" pitchFamily="49" charset="0"/>
+              <a:buChar char="o"/>
+            </a:pPr>
+            <a:r>
+              <a:rPr lang="en-US" sz="1600" b="1" dirty="0"/>
+              <a:t>New Item → Pipeline</a:t>
+            </a:r>
+          </a:p>
+          <a:p>
+            <a:pPr marL="800100" lvl="1" indent="-342900">
+              <a:buFont typeface="Courier New" panose="02070309020205020404" pitchFamily="49" charset="0"/>
+              <a:buChar char="o"/>
+            </a:pPr>
+            <a:r>
+              <a:rPr lang="en-US" sz="1600" b="1" dirty="0"/>
+              <a:t>General</a:t>
+            </a:r>
+            <a:r>
+              <a:rPr lang="en-US" sz="1600" dirty="0"/>
+              <a:t>: tick </a:t>
+            </a:r>
+            <a:r>
+              <a:rPr lang="en-US" sz="1600" b="1" dirty="0"/>
+              <a:t>GitHub Project</a:t>
+            </a:r>
+            <a:r>
+              <a:rPr lang="en-US" sz="1600" dirty="0"/>
+              <a:t> and paste repo URL</a:t>
+            </a:r>
+          </a:p>
+          <a:p>
+            <a:pPr marL="800100" lvl="1" indent="-342900">
+              <a:buFont typeface="Courier New" panose="02070309020205020404" pitchFamily="49" charset="0"/>
+              <a:buChar char="o"/>
+            </a:pPr>
+            <a:r>
+              <a:rPr lang="en-US" sz="1600" b="1" dirty="0"/>
+              <a:t>Build Trigger</a:t>
+            </a:r>
+            <a:r>
+              <a:rPr lang="en-US" sz="1600" dirty="0"/>
+              <a:t>: check </a:t>
+            </a:r>
+            <a:r>
+              <a:rPr lang="en-US" sz="1600" b="1" dirty="0"/>
+              <a:t>GitHub hook trigger for </a:t>
+            </a:r>
+            <a:r>
+              <a:rPr lang="en-US" sz="1600" b="1" dirty="0" err="1"/>
+              <a:t>GITScm</a:t>
+            </a:r>
+            <a:r>
+              <a:rPr lang="en-US" sz="1600" b="1" dirty="0"/>
+              <a:t> Polling</a:t>
+            </a:r>
+          </a:p>
+          <a:p>
+            <a:pPr marL="800100" lvl="1" indent="-342900">
+              <a:buFont typeface="Courier New" panose="02070309020205020404" pitchFamily="49" charset="0"/>
+              <a:buChar char="o"/>
+            </a:pPr>
+            <a:r>
+              <a:rPr lang="en-US" sz="1600" b="1" dirty="0"/>
+              <a:t>Pipeline</a:t>
+            </a:r>
+            <a:r>
+              <a:rPr lang="en-US" sz="1600" dirty="0"/>
+              <a:t>: Choose </a:t>
+            </a:r>
+            <a:r>
+              <a:rPr lang="en-US" sz="1600" b="1" dirty="0"/>
+              <a:t>Pipeline script from SCM</a:t>
+            </a:r>
+          </a:p>
+          <a:p>
+            <a:pPr marL="1257300" lvl="2" indent="-342900">
+              <a:buFont typeface="Wingdings" panose="05000000000000000000" pitchFamily="2" charset="2"/>
+              <a:buChar char="§"/>
+            </a:pPr>
+            <a:r>
+              <a:rPr lang="en-US" sz="1600" dirty="0"/>
+              <a:t>SCM: </a:t>
+            </a:r>
+            <a:r>
+              <a:rPr lang="en-US" sz="1600" b="1" dirty="0"/>
+              <a:t>Git</a:t>
+            </a:r>
+          </a:p>
+          <a:p>
+            <a:pPr marL="1257300" lvl="2" indent="-342900">
+              <a:buFont typeface="Wingdings" panose="05000000000000000000" pitchFamily="2" charset="2"/>
+              <a:buChar char="§"/>
+            </a:pPr>
+            <a:r>
+              <a:rPr lang="en-US" sz="1600" dirty="0"/>
+              <a:t>Repo URL: &lt;your GitHub repo URL&gt;</a:t>
+            </a:r>
+          </a:p>
+          <a:p>
+            <a:pPr marL="1257300" lvl="2" indent="-342900">
+              <a:buFont typeface="Wingdings" panose="05000000000000000000" pitchFamily="2" charset="2"/>
+              <a:buChar char="§"/>
+            </a:pPr>
+            <a:r>
+              <a:rPr lang="en-US" sz="1600" dirty="0"/>
+              <a:t>Credentials: Select if private</a:t>
+            </a:r>
+          </a:p>
+          <a:p>
+            <a:pPr marL="1257300" lvl="2" indent="-342900">
+              <a:buFont typeface="Wingdings" panose="05000000000000000000" pitchFamily="2" charset="2"/>
+              <a:buChar char="§"/>
+            </a:pPr>
+            <a:r>
+              <a:rPr lang="en-US" sz="1600" dirty="0"/>
+              <a:t>Branches: </a:t>
+            </a:r>
+            <a:r>
+              <a:rPr lang="en-US" sz="1600" b="1" dirty="0"/>
+              <a:t>*/main</a:t>
+            </a:r>
+            <a:endParaRPr lang="en-US" sz="1600" dirty="0"/>
+          </a:p>
+          <a:p>
+            <a:pPr marL="1257300" lvl="2" indent="-342900">
+              <a:buFont typeface="Wingdings" panose="05000000000000000000" pitchFamily="2" charset="2"/>
+              <a:buChar char="§"/>
+            </a:pPr>
+            <a:r>
+              <a:rPr lang="en-US" sz="1600" dirty="0"/>
+              <a:t>Script path:</a:t>
+            </a:r>
+            <a:r>
+              <a:rPr lang="en-US" sz="1600" b="1" dirty="0"/>
+              <a:t> </a:t>
+            </a:r>
+            <a:r>
+              <a:rPr lang="en-US" sz="1600" b="1" dirty="0" err="1"/>
+              <a:t>Jenkinsfile</a:t>
+            </a:r>
+            <a:endParaRPr lang="en-US" sz="1600" b="1" dirty="0"/>
+          </a:p>
+          <a:p>
+            <a:pPr marL="342900" indent="-342900">
+              <a:buFont typeface="+mj-lt"/>
+              <a:buAutoNum type="arabicPeriod" startAt="11"/>
+            </a:pPr>
+            <a:r>
+              <a:rPr lang="en-US" sz="1600" dirty="0"/>
+              <a:t>GitHub: add the Webhook</a:t>
+            </a:r>
+          </a:p>
+          <a:p>
+            <a:pPr lvl="1"/>
+            <a:r>
+              <a:rPr lang="en-US" sz="1600" dirty="0"/>
+              <a:t>Repo → Settings → Webhooks → Add webhook</a:t>
+            </a:r>
+          </a:p>
+          <a:p>
+            <a:pPr marL="742950" lvl="1" indent="-285750">
+              <a:buFont typeface="Courier New" panose="02070309020205020404" pitchFamily="49" charset="0"/>
+              <a:buChar char="o"/>
+            </a:pPr>
+            <a:r>
+              <a:rPr lang="en-US" sz="1600" dirty="0"/>
+              <a:t>Payload URL: http://&lt;EC2_PUBLIC_IP&gt;:8080/github-webhook/</a:t>
+            </a:r>
+          </a:p>
+          <a:p>
+            <a:pPr marL="742950" lvl="1" indent="-285750">
+              <a:buFont typeface="Courier New" panose="02070309020205020404" pitchFamily="49" charset="0"/>
+              <a:buChar char="o"/>
+            </a:pPr>
+            <a:r>
+              <a:rPr lang="en-US" sz="1600" dirty="0"/>
+              <a:t>Content type: application/</a:t>
+            </a:r>
+            <a:r>
+              <a:rPr lang="en-US" sz="1600" dirty="0" err="1"/>
+              <a:t>json</a:t>
+            </a:r>
+            <a:endParaRPr lang="en-US" sz="1600" dirty="0"/>
+          </a:p>
+          <a:p>
+            <a:pPr marL="742950" lvl="1" indent="-285750">
+              <a:buFont typeface="Courier New" panose="02070309020205020404" pitchFamily="49" charset="0"/>
+              <a:buChar char="o"/>
+            </a:pPr>
+            <a:r>
+              <a:rPr lang="en-US" sz="1600" dirty="0"/>
+              <a:t>Which events?: “Just the push event” (or “Let me select” → Push)</a:t>
+            </a:r>
+          </a:p>
+          <a:p>
+            <a:pPr marL="742950" lvl="1" indent="-285750">
+              <a:buFont typeface="Courier New" panose="02070309020205020404" pitchFamily="49" charset="0"/>
+              <a:buChar char="o"/>
+            </a:pPr>
+            <a:r>
+              <a:rPr lang="en-US" sz="1600" dirty="0"/>
+              <a:t>Active: checked → Add webhook</a:t>
+            </a:r>
+          </a:p>
+          <a:p>
+            <a:pPr marL="742950" lvl="1" indent="-285750">
+              <a:buFont typeface="Courier New" panose="02070309020205020404" pitchFamily="49" charset="0"/>
+              <a:buChar char="o"/>
+            </a:pPr>
+            <a:r>
+              <a:rPr lang="en-US" sz="1600" dirty="0"/>
+              <a:t>Back in Jenkins job (or system config), set the same secret:</a:t>
+            </a:r>
+          </a:p>
+          <a:p>
+            <a:pPr marL="742950" lvl="1" indent="-285750">
+              <a:buFont typeface="Courier New" panose="02070309020205020404" pitchFamily="49" charset="0"/>
+              <a:buChar char="o"/>
+            </a:pPr>
+            <a:r>
+              <a:rPr lang="en-US" sz="1600" dirty="0"/>
+              <a:t>Manage Jenkins → Configure System → GitHub → Add endpoint → set Secret; or in the job under Build Triggers if shown.</a:t>
+            </a:r>
+          </a:p>
+        </p:txBody>
+      </p:sp>
+      <p:sp>
+        <p:nvSpPr>
+          <p:cNvPr id="2" name="TextBox 1">
+            <a:extLst>
+              <a:ext uri="{FF2B5EF4-FFF2-40B4-BE49-F238E27FC236}">
+                <a16:creationId xmlns:a16="http://schemas.microsoft.com/office/drawing/2014/main" id="{50E40D87-73C0-8493-D06E-747B3F2ED165}"/>
+              </a:ext>
+            </a:extLst>
+          </p:cNvPr>
+          <p:cNvSpPr txBox="1"/>
+          <p:nvPr/>
+        </p:nvSpPr>
+        <p:spPr>
+          <a:xfrm>
+            <a:off x="166255" y="145473"/>
+            <a:ext cx="11835245" cy="400110"/>
+          </a:xfrm>
+          <a:prstGeom prst="rect">
+            <a:avLst/>
+          </a:prstGeom>
+          <a:noFill/>
+        </p:spPr>
+        <p:txBody>
+          <a:bodyPr wrap="square" rtlCol="0">
+            <a:spAutoFit/>
+          </a:bodyPr>
+          <a:lstStyle/>
+          <a:p>
+            <a:r>
+              <a:rPr lang="en-IN" sz="2000" b="1" dirty="0"/>
+              <a:t>[3/4] CI / CD Pipeline: EC2 / Jenkins / GitHub</a:t>
+            </a:r>
+          </a:p>
+        </p:txBody>
+      </p:sp>
+      <p:sp>
+        <p:nvSpPr>
+          <p:cNvPr id="3" name="Rectangle 2">
+            <a:extLst>
+              <a:ext uri="{FF2B5EF4-FFF2-40B4-BE49-F238E27FC236}">
+                <a16:creationId xmlns:a16="http://schemas.microsoft.com/office/drawing/2014/main" id="{D85ED211-2F3B-BA9E-4C13-92BEE50A48ED}"/>
+              </a:ext>
+            </a:extLst>
+          </p:cNvPr>
+          <p:cNvSpPr/>
+          <p:nvPr/>
+        </p:nvSpPr>
+        <p:spPr>
+          <a:xfrm>
+            <a:off x="5403274" y="545583"/>
+            <a:ext cx="6598226" cy="6166944"/>
+          </a:xfrm>
+          <a:prstGeom prst="rect">
+            <a:avLst/>
+          </a:prstGeom>
+          <a:solidFill>
+            <a:schemeClr val="lt1">
+              <a:alpha val="0"/>
+            </a:schemeClr>
+          </a:solidFill>
+          <a:ln/>
+        </p:spPr>
+        <p:style>
+          <a:lnRef idx="2">
+            <a:schemeClr val="dk1"/>
+          </a:lnRef>
+          <a:fillRef idx="1">
+            <a:schemeClr val="lt1"/>
+          </a:fillRef>
+          <a:effectRef idx="0">
+            <a:schemeClr val="dk1"/>
+          </a:effectRef>
+          <a:fontRef idx="minor">
+            <a:schemeClr val="dk1"/>
+          </a:fontRef>
+        </p:style>
+        <p:txBody>
+          <a:bodyPr rtlCol="0" anchor="t"/>
+          <a:lstStyle/>
+          <a:p>
+            <a:pPr algn="ctr"/>
+            <a:r>
+              <a:rPr lang="en-IN" sz="1600" b="1" dirty="0" err="1">
+                <a:solidFill>
+                  <a:schemeClr val="tx1"/>
+                </a:solidFill>
+              </a:rPr>
+              <a:t>Jenkinsfile</a:t>
+            </a:r>
+            <a:endParaRPr lang="en-IN" sz="1600" b="1" dirty="0">
+              <a:solidFill>
+                <a:schemeClr val="tx1"/>
+              </a:solidFill>
+            </a:endParaRPr>
+          </a:p>
+          <a:p>
+            <a:r>
+              <a:rPr lang="en-IN" sz="800" dirty="0">
+                <a:solidFill>
+                  <a:schemeClr val="tx1"/>
+                </a:solidFill>
+              </a:rPr>
+              <a:t>pipeline {</a:t>
+            </a:r>
+          </a:p>
+          <a:p>
+            <a:r>
+              <a:rPr lang="en-IN" sz="800" dirty="0">
+                <a:solidFill>
+                  <a:schemeClr val="tx1"/>
+                </a:solidFill>
+              </a:rPr>
+              <a:t>  agent any</a:t>
+            </a:r>
+          </a:p>
+          <a:p>
+            <a:r>
+              <a:rPr lang="en-IN" sz="800" dirty="0">
+                <a:solidFill>
+                  <a:schemeClr val="tx1"/>
+                </a:solidFill>
+              </a:rPr>
+              <a:t>  environment {</a:t>
+            </a:r>
+          </a:p>
+          <a:p>
+            <a:r>
+              <a:rPr lang="en-IN" sz="800" dirty="0">
+                <a:solidFill>
+                  <a:schemeClr val="tx1"/>
+                </a:solidFill>
+              </a:rPr>
+              <a:t>    APP_NAME = '</a:t>
+            </a:r>
+            <a:r>
+              <a:rPr lang="en-IN" sz="800" dirty="0" err="1">
+                <a:solidFill>
+                  <a:schemeClr val="tx1"/>
+                </a:solidFill>
+              </a:rPr>
+              <a:t>myapp</a:t>
+            </a:r>
+            <a:r>
+              <a:rPr lang="en-IN" sz="800" dirty="0">
+                <a:solidFill>
+                  <a:schemeClr val="tx1"/>
+                </a:solidFill>
+              </a:rPr>
+              <a:t>'</a:t>
+            </a:r>
+          </a:p>
+          <a:p>
+            <a:r>
+              <a:rPr lang="en-IN" sz="800" dirty="0">
+                <a:solidFill>
+                  <a:schemeClr val="tx1"/>
+                </a:solidFill>
+              </a:rPr>
+              <a:t>    APP_PORT = '3000'            // change to your app port</a:t>
+            </a:r>
+          </a:p>
+          <a:p>
+            <a:r>
+              <a:rPr lang="en-IN" sz="800" dirty="0">
+                <a:solidFill>
+                  <a:schemeClr val="tx1"/>
+                </a:solidFill>
+              </a:rPr>
+              <a:t>    IMAGE = "</a:t>
+            </a:r>
+            <a:r>
+              <a:rPr lang="en-IN" sz="800" dirty="0" err="1">
+                <a:solidFill>
+                  <a:schemeClr val="tx1"/>
+                </a:solidFill>
+              </a:rPr>
+              <a:t>myapp</a:t>
+            </a:r>
+            <a:r>
+              <a:rPr lang="en-IN" sz="800" dirty="0">
+                <a:solidFill>
+                  <a:schemeClr val="tx1"/>
+                </a:solidFill>
+              </a:rPr>
+              <a:t>:${</a:t>
+            </a:r>
+            <a:r>
+              <a:rPr lang="en-IN" sz="800" dirty="0" err="1">
+                <a:solidFill>
+                  <a:schemeClr val="tx1"/>
+                </a:solidFill>
+              </a:rPr>
+              <a:t>env.GIT_COMMIT.take</a:t>
+            </a:r>
+            <a:r>
+              <a:rPr lang="en-IN" sz="800" dirty="0">
+                <a:solidFill>
+                  <a:schemeClr val="tx1"/>
+                </a:solidFill>
+              </a:rPr>
+              <a:t>(7)}"</a:t>
+            </a:r>
+          </a:p>
+          <a:p>
+            <a:r>
+              <a:rPr lang="en-IN" sz="800" dirty="0">
+                <a:solidFill>
+                  <a:schemeClr val="tx1"/>
+                </a:solidFill>
+              </a:rPr>
+              <a:t>  }</a:t>
+            </a:r>
+          </a:p>
+          <a:p>
+            <a:r>
+              <a:rPr lang="en-IN" sz="800" dirty="0">
+                <a:solidFill>
+                  <a:schemeClr val="tx1"/>
+                </a:solidFill>
+              </a:rPr>
+              <a:t>  triggers { </a:t>
+            </a:r>
+            <a:r>
+              <a:rPr lang="en-IN" sz="800" dirty="0" err="1">
+                <a:solidFill>
+                  <a:schemeClr val="tx1"/>
+                </a:solidFill>
+              </a:rPr>
+              <a:t>pollSCM</a:t>
+            </a:r>
+            <a:r>
+              <a:rPr lang="en-IN" sz="800" dirty="0">
+                <a:solidFill>
+                  <a:schemeClr val="tx1"/>
+                </a:solidFill>
+              </a:rPr>
+              <a:t>('') } // optional; GitHub hook is primary trigger</a:t>
+            </a:r>
+          </a:p>
+          <a:p>
+            <a:r>
+              <a:rPr lang="en-IN" sz="800" dirty="0">
+                <a:solidFill>
+                  <a:schemeClr val="tx1"/>
+                </a:solidFill>
+              </a:rPr>
+              <a:t>  stages {</a:t>
+            </a:r>
+          </a:p>
+          <a:p>
+            <a:r>
+              <a:rPr lang="en-IN" sz="800" dirty="0">
+                <a:solidFill>
+                  <a:schemeClr val="tx1"/>
+                </a:solidFill>
+              </a:rPr>
+              <a:t>    stage('Checkout') {</a:t>
+            </a:r>
+          </a:p>
+          <a:p>
+            <a:r>
+              <a:rPr lang="en-IN" sz="800" dirty="0">
+                <a:solidFill>
+                  <a:schemeClr val="tx1"/>
+                </a:solidFill>
+              </a:rPr>
+              <a:t>      steps { checkout </a:t>
+            </a:r>
+            <a:r>
+              <a:rPr lang="en-IN" sz="800" dirty="0" err="1">
+                <a:solidFill>
+                  <a:schemeClr val="tx1"/>
+                </a:solidFill>
+              </a:rPr>
+              <a:t>scm</a:t>
+            </a:r>
+            <a:r>
+              <a:rPr lang="en-IN" sz="800" dirty="0">
+                <a:solidFill>
+                  <a:schemeClr val="tx1"/>
+                </a:solidFill>
+              </a:rPr>
+              <a:t> }</a:t>
+            </a:r>
+          </a:p>
+          <a:p>
+            <a:r>
+              <a:rPr lang="en-IN" sz="800" dirty="0">
+                <a:solidFill>
+                  <a:schemeClr val="tx1"/>
+                </a:solidFill>
+              </a:rPr>
+              <a:t>    }</a:t>
+            </a:r>
+          </a:p>
+          <a:p>
+            <a:r>
+              <a:rPr lang="en-IN" sz="800" dirty="0">
+                <a:solidFill>
+                  <a:schemeClr val="tx1"/>
+                </a:solidFill>
+              </a:rPr>
+              <a:t>    stage('Build image') {</a:t>
+            </a:r>
+          </a:p>
+          <a:p>
+            <a:r>
+              <a:rPr lang="en-IN" sz="800" dirty="0">
+                <a:solidFill>
+                  <a:schemeClr val="tx1"/>
+                </a:solidFill>
+              </a:rPr>
+              <a:t>      steps {</a:t>
+            </a:r>
+          </a:p>
+          <a:p>
+            <a:r>
+              <a:rPr lang="en-IN" sz="800" dirty="0">
+                <a:solidFill>
+                  <a:schemeClr val="tx1"/>
+                </a:solidFill>
+              </a:rPr>
+              <a:t>        </a:t>
+            </a:r>
+            <a:r>
+              <a:rPr lang="en-IN" sz="800" dirty="0" err="1">
+                <a:solidFill>
+                  <a:schemeClr val="tx1"/>
+                </a:solidFill>
+              </a:rPr>
+              <a:t>sh</a:t>
+            </a:r>
+            <a:r>
+              <a:rPr lang="en-IN" sz="800" dirty="0">
+                <a:solidFill>
+                  <a:schemeClr val="tx1"/>
+                </a:solidFill>
+              </a:rPr>
+              <a:t> '''</a:t>
+            </a:r>
+          </a:p>
+          <a:p>
+            <a:r>
+              <a:rPr lang="en-IN" sz="800" dirty="0">
+                <a:solidFill>
+                  <a:schemeClr val="tx1"/>
+                </a:solidFill>
+              </a:rPr>
+              <a:t>          docker build -t $IMAGE .</a:t>
+            </a:r>
+          </a:p>
+          <a:p>
+            <a:r>
+              <a:rPr lang="en-IN" sz="800" dirty="0">
+                <a:solidFill>
+                  <a:schemeClr val="tx1"/>
+                </a:solidFill>
+              </a:rPr>
+              <a:t>        '''</a:t>
+            </a:r>
+          </a:p>
+          <a:p>
+            <a:r>
+              <a:rPr lang="en-IN" sz="800" dirty="0">
+                <a:solidFill>
+                  <a:schemeClr val="tx1"/>
+                </a:solidFill>
+              </a:rPr>
+              <a:t>      }</a:t>
+            </a:r>
+          </a:p>
+          <a:p>
+            <a:r>
+              <a:rPr lang="en-IN" sz="800" dirty="0">
+                <a:solidFill>
+                  <a:schemeClr val="tx1"/>
+                </a:solidFill>
+              </a:rPr>
+              <a:t>    }</a:t>
+            </a:r>
+          </a:p>
+          <a:p>
+            <a:r>
+              <a:rPr lang="en-IN" sz="800" dirty="0">
+                <a:solidFill>
+                  <a:schemeClr val="tx1"/>
+                </a:solidFill>
+              </a:rPr>
+              <a:t>    stage('Stop old container') {</a:t>
+            </a:r>
+          </a:p>
+          <a:p>
+            <a:r>
+              <a:rPr lang="en-IN" sz="800" dirty="0">
+                <a:solidFill>
+                  <a:schemeClr val="tx1"/>
+                </a:solidFill>
+              </a:rPr>
+              <a:t>      steps {</a:t>
+            </a:r>
+          </a:p>
+          <a:p>
+            <a:r>
+              <a:rPr lang="en-IN" sz="800" dirty="0">
+                <a:solidFill>
+                  <a:schemeClr val="tx1"/>
+                </a:solidFill>
+              </a:rPr>
+              <a:t>        </a:t>
+            </a:r>
+            <a:r>
+              <a:rPr lang="en-IN" sz="800" dirty="0" err="1">
+                <a:solidFill>
+                  <a:schemeClr val="tx1"/>
+                </a:solidFill>
+              </a:rPr>
+              <a:t>sh</a:t>
+            </a:r>
+            <a:r>
+              <a:rPr lang="en-IN" sz="800" dirty="0">
+                <a:solidFill>
+                  <a:schemeClr val="tx1"/>
+                </a:solidFill>
+              </a:rPr>
+              <a:t> '''</a:t>
+            </a:r>
+          </a:p>
+          <a:p>
+            <a:r>
+              <a:rPr lang="en-IN" sz="800" dirty="0">
+                <a:solidFill>
+                  <a:schemeClr val="tx1"/>
+                </a:solidFill>
+              </a:rPr>
+              <a:t>          if [ "$(docker </a:t>
+            </a:r>
+            <a:r>
+              <a:rPr lang="en-IN" sz="800" dirty="0" err="1">
+                <a:solidFill>
+                  <a:schemeClr val="tx1"/>
+                </a:solidFill>
+              </a:rPr>
+              <a:t>ps</a:t>
+            </a:r>
+            <a:r>
+              <a:rPr lang="en-IN" sz="800" dirty="0">
+                <a:solidFill>
+                  <a:schemeClr val="tx1"/>
+                </a:solidFill>
+              </a:rPr>
+              <a:t> -q -f name=$APP_NAME)" ]; then docker stop $APP_NAME; fi</a:t>
+            </a:r>
+          </a:p>
+          <a:p>
+            <a:r>
+              <a:rPr lang="en-IN" sz="800" dirty="0">
+                <a:solidFill>
+                  <a:schemeClr val="tx1"/>
+                </a:solidFill>
+              </a:rPr>
+              <a:t>          if [ "$(docker </a:t>
+            </a:r>
+            <a:r>
+              <a:rPr lang="en-IN" sz="800" dirty="0" err="1">
+                <a:solidFill>
+                  <a:schemeClr val="tx1"/>
+                </a:solidFill>
+              </a:rPr>
+              <a:t>ps</a:t>
+            </a:r>
+            <a:r>
+              <a:rPr lang="en-IN" sz="800" dirty="0">
+                <a:solidFill>
+                  <a:schemeClr val="tx1"/>
+                </a:solidFill>
+              </a:rPr>
+              <a:t> -</a:t>
+            </a:r>
+            <a:r>
+              <a:rPr lang="en-IN" sz="800" dirty="0" err="1">
+                <a:solidFill>
+                  <a:schemeClr val="tx1"/>
+                </a:solidFill>
+              </a:rPr>
+              <a:t>aq</a:t>
+            </a:r>
+            <a:r>
+              <a:rPr lang="en-IN" sz="800" dirty="0">
+                <a:solidFill>
+                  <a:schemeClr val="tx1"/>
+                </a:solidFill>
+              </a:rPr>
+              <a:t> -f name=$APP_NAME)" ]; then docker rm $APP_NAME; fi</a:t>
+            </a:r>
+          </a:p>
+          <a:p>
+            <a:r>
+              <a:rPr lang="en-IN" sz="800" dirty="0">
+                <a:solidFill>
+                  <a:schemeClr val="tx1"/>
+                </a:solidFill>
+              </a:rPr>
+              <a:t>        '''</a:t>
+            </a:r>
+          </a:p>
+          <a:p>
+            <a:r>
+              <a:rPr lang="en-IN" sz="800" dirty="0">
+                <a:solidFill>
+                  <a:schemeClr val="tx1"/>
+                </a:solidFill>
+              </a:rPr>
+              <a:t>      }</a:t>
+            </a:r>
+          </a:p>
+          <a:p>
+            <a:r>
+              <a:rPr lang="en-IN" sz="800" dirty="0">
+                <a:solidFill>
+                  <a:schemeClr val="tx1"/>
+                </a:solidFill>
+              </a:rPr>
+              <a:t>    }</a:t>
+            </a:r>
+          </a:p>
+          <a:p>
+            <a:r>
+              <a:rPr lang="en-IN" sz="800" dirty="0">
+                <a:solidFill>
+                  <a:schemeClr val="tx1"/>
+                </a:solidFill>
+              </a:rPr>
+              <a:t>    stage('Run new container') {</a:t>
+            </a:r>
+          </a:p>
+          <a:p>
+            <a:r>
+              <a:rPr lang="en-IN" sz="800" dirty="0">
+                <a:solidFill>
+                  <a:schemeClr val="tx1"/>
+                </a:solidFill>
+              </a:rPr>
+              <a:t>      steps {</a:t>
+            </a:r>
+          </a:p>
+          <a:p>
+            <a:r>
+              <a:rPr lang="en-IN" sz="800" dirty="0">
+                <a:solidFill>
+                  <a:schemeClr val="tx1"/>
+                </a:solidFill>
+              </a:rPr>
+              <a:t>        </a:t>
+            </a:r>
+            <a:r>
+              <a:rPr lang="en-IN" sz="800" dirty="0" err="1">
+                <a:solidFill>
+                  <a:schemeClr val="tx1"/>
+                </a:solidFill>
+              </a:rPr>
+              <a:t>sh</a:t>
+            </a:r>
+            <a:r>
+              <a:rPr lang="en-IN" sz="800" dirty="0">
+                <a:solidFill>
+                  <a:schemeClr val="tx1"/>
+                </a:solidFill>
+              </a:rPr>
+              <a:t> '''</a:t>
+            </a:r>
+          </a:p>
+          <a:p>
+            <a:r>
+              <a:rPr lang="en-IN" sz="800" dirty="0">
+                <a:solidFill>
+                  <a:schemeClr val="tx1"/>
+                </a:solidFill>
+              </a:rPr>
+              <a:t>          docker run -d --name $APP_NAME -p ${APP_PORT}:${APP_PORT} --restart=always $IMAGE</a:t>
+            </a:r>
+          </a:p>
+          <a:p>
+            <a:r>
+              <a:rPr lang="en-IN" sz="800" dirty="0">
+                <a:solidFill>
+                  <a:schemeClr val="tx1"/>
+                </a:solidFill>
+              </a:rPr>
+              <a:t>        '''</a:t>
+            </a:r>
+          </a:p>
+          <a:p>
+            <a:r>
+              <a:rPr lang="en-IN" sz="800" dirty="0">
+                <a:solidFill>
+                  <a:schemeClr val="tx1"/>
+                </a:solidFill>
+              </a:rPr>
+              <a:t>      }</a:t>
+            </a:r>
+          </a:p>
+          <a:p>
+            <a:r>
+              <a:rPr lang="en-IN" sz="800" dirty="0">
+                <a:solidFill>
+                  <a:schemeClr val="tx1"/>
+                </a:solidFill>
+              </a:rPr>
+              <a:t>    }</a:t>
+            </a:r>
+          </a:p>
+          <a:p>
+            <a:r>
+              <a:rPr lang="en-IN" sz="800" dirty="0">
+                <a:solidFill>
+                  <a:schemeClr val="tx1"/>
+                </a:solidFill>
+              </a:rPr>
+              <a:t>    stage('Cleanup old images') {</a:t>
+            </a:r>
+          </a:p>
+          <a:p>
+            <a:r>
+              <a:rPr lang="en-IN" sz="800" dirty="0">
+                <a:solidFill>
+                  <a:schemeClr val="tx1"/>
+                </a:solidFill>
+              </a:rPr>
+              <a:t>      steps {</a:t>
+            </a:r>
+          </a:p>
+          <a:p>
+            <a:r>
+              <a:rPr lang="en-IN" sz="800" dirty="0">
+                <a:solidFill>
+                  <a:schemeClr val="tx1"/>
+                </a:solidFill>
+              </a:rPr>
+              <a:t>        </a:t>
+            </a:r>
+            <a:r>
+              <a:rPr lang="en-IN" sz="800" dirty="0" err="1">
+                <a:solidFill>
+                  <a:schemeClr val="tx1"/>
+                </a:solidFill>
+              </a:rPr>
+              <a:t>sh</a:t>
+            </a:r>
+            <a:r>
+              <a:rPr lang="en-IN" sz="800" dirty="0">
+                <a:solidFill>
+                  <a:schemeClr val="tx1"/>
+                </a:solidFill>
+              </a:rPr>
+              <a:t> 'docker image prune -f || true'</a:t>
+            </a:r>
+          </a:p>
+          <a:p>
+            <a:r>
+              <a:rPr lang="en-IN" sz="800" dirty="0">
+                <a:solidFill>
+                  <a:schemeClr val="tx1"/>
+                </a:solidFill>
+              </a:rPr>
+              <a:t>      }</a:t>
+            </a:r>
+          </a:p>
+          <a:p>
+            <a:r>
+              <a:rPr lang="en-IN" sz="800" dirty="0">
+                <a:solidFill>
+                  <a:schemeClr val="tx1"/>
+                </a:solidFill>
+              </a:rPr>
+              <a:t>    }</a:t>
+            </a:r>
+          </a:p>
+          <a:p>
+            <a:r>
+              <a:rPr lang="en-IN" sz="800" dirty="0">
+                <a:solidFill>
+                  <a:schemeClr val="tx1"/>
+                </a:solidFill>
+              </a:rPr>
+              <a:t>  }</a:t>
+            </a:r>
+          </a:p>
+          <a:p>
+            <a:r>
+              <a:rPr lang="en-IN" sz="800" dirty="0">
+                <a:solidFill>
+                  <a:schemeClr val="tx1"/>
+                </a:solidFill>
+              </a:rPr>
+              <a:t>  post {</a:t>
+            </a:r>
+          </a:p>
+          <a:p>
+            <a:r>
+              <a:rPr lang="en-IN" sz="800" dirty="0">
+                <a:solidFill>
+                  <a:schemeClr val="tx1"/>
+                </a:solidFill>
+              </a:rPr>
+              <a:t>    failure { echo 'Build failed. Check console output.' }</a:t>
+            </a:r>
+          </a:p>
+          <a:p>
+            <a:r>
+              <a:rPr lang="en-IN" sz="800" dirty="0">
+                <a:solidFill>
+                  <a:schemeClr val="tx1"/>
+                </a:solidFill>
+              </a:rPr>
+              <a:t>  }</a:t>
+            </a:r>
+          </a:p>
+          <a:p>
+            <a:r>
+              <a:rPr lang="en-IN" sz="800" dirty="0">
+                <a:solidFill>
+                  <a:schemeClr val="tx1"/>
+                </a:solidFill>
+              </a:rPr>
+              <a:t>}</a:t>
+            </a:r>
+          </a:p>
+        </p:txBody>
+      </p:sp>
+    </p:spTree>
+    <p:extLst>
+      <p:ext uri="{BB962C8B-B14F-4D97-AF65-F5344CB8AC3E}">
+        <p14:creationId xmlns:p14="http://schemas.microsoft.com/office/powerpoint/2010/main" val="2253703610"/>
       </p:ext>
     </p:extLst>
   </p:cSld>
